--- a/linsley_postdoc/presentations/weekly_meetings/10_5_23.pptx
+++ b/linsley_postdoc/presentations/weekly_meetings/10_5_23.pptx
@@ -5,11 +5,18 @@
     <p:sldMasterId id="2147483648" r:id="rId1"/>
   </p:sldMasterIdLst>
   <p:notesMasterIdLst>
-    <p:notesMasterId r:id="rId4"/>
+    <p:notesMasterId r:id="rId11"/>
   </p:notesMasterIdLst>
   <p:sldIdLst>
     <p:sldId id="256" r:id="rId2"/>
     <p:sldId id="377" r:id="rId3"/>
+    <p:sldId id="378" r:id="rId4"/>
+    <p:sldId id="379" r:id="rId5"/>
+    <p:sldId id="380" r:id="rId6"/>
+    <p:sldId id="381" r:id="rId7"/>
+    <p:sldId id="382" r:id="rId8"/>
+    <p:sldId id="383" r:id="rId9"/>
+    <p:sldId id="384" r:id="rId10"/>
   </p:sldIdLst>
   <p:sldSz cx="12192000" cy="6858000"/>
   <p:notesSz cx="6858000" cy="9144000"/>
@@ -209,7 +216,7 @@
           <a:p>
             <a:fld id="{E933A773-0DCE-3544-BB67-D5FA58DF903C}" type="datetimeFigureOut">
               <a:rPr lang="en-US" smtClean="0"/>
-              <a:t>9/28/23</a:t>
+              <a:t>10/2/23</a:t>
             </a:fld>
             <a:endParaRPr lang="en-US"/>
           </a:p>
@@ -560,6 +567,140 @@
 </p:notes>
 </file>
 
+<file path=ppt/notesSlides/notesSlide2.xml><?xml version="1.0" encoding="utf-8"?>
+<p:notes xmlns:a="http://schemas.openxmlformats.org/drawingml/2006/main" xmlns:r="http://schemas.openxmlformats.org/officeDocument/2006/relationships" xmlns:p="http://schemas.openxmlformats.org/presentationml/2006/main">
+  <p:cSld>
+    <p:spTree>
+      <p:nvGrpSpPr>
+        <p:cNvPr id="1" name=""/>
+        <p:cNvGrpSpPr/>
+        <p:nvPr/>
+      </p:nvGrpSpPr>
+      <p:grpSpPr>
+        <a:xfrm>
+          <a:off x="0" y="0"/>
+          <a:ext cx="0" cy="0"/>
+          <a:chOff x="0" y="0"/>
+          <a:chExt cx="0" cy="0"/>
+        </a:xfrm>
+      </p:grpSpPr>
+      <p:sp>
+        <p:nvSpPr>
+          <p:cNvPr id="2" name="Slide Image Placeholder 1"/>
+          <p:cNvSpPr>
+            <a:spLocks noGrp="1" noRot="1" noChangeAspect="1"/>
+          </p:cNvSpPr>
+          <p:nvPr>
+            <p:ph type="sldImg"/>
+          </p:nvPr>
+        </p:nvSpPr>
+        <p:spPr/>
+      </p:sp>
+      <p:sp>
+        <p:nvSpPr>
+          <p:cNvPr id="3" name="Notes Placeholder 2"/>
+          <p:cNvSpPr>
+            <a:spLocks noGrp="1"/>
+          </p:cNvSpPr>
+          <p:nvPr>
+            <p:ph type="body" idx="1"/>
+          </p:nvPr>
+        </p:nvSpPr>
+        <p:spPr/>
+        <p:txBody>
+          <a:bodyPr/>
+          <a:lstStyle/>
+          <a:p>
+            <a:pPr lvl="1"/>
+            <a:r>
+              <a:rPr lang="en-US" b="0" dirty="0">
+                <a:solidFill>
+                  <a:srgbClr val="000000"/>
+                </a:solidFill>
+                <a:effectLst/>
+                <a:latin typeface="Calibri (Body)"/>
+              </a:rPr>
+              <a:t>prior evidence of clonally expanded self/virus-reactive T cells in affected tissue linking self/pathogen-recognizing T cell clones to </a:t>
+            </a:r>
+            <a:r>
+              <a:rPr lang="en-US" b="0" dirty="0" err="1">
+                <a:solidFill>
+                  <a:srgbClr val="000000"/>
+                </a:solidFill>
+                <a:effectLst/>
+                <a:latin typeface="Calibri (Body)"/>
+              </a:rPr>
+              <a:t>irAEs</a:t>
+            </a:r>
+            <a:r>
+              <a:rPr lang="en-US" b="0" dirty="0">
+                <a:solidFill>
+                  <a:srgbClr val="000000"/>
+                </a:solidFill>
+                <a:effectLst/>
+                <a:latin typeface="Calibri (Body)"/>
+              </a:rPr>
+              <a:t> (I wonder why viral antigen recognition would lead to </a:t>
+            </a:r>
+            <a:r>
+              <a:rPr lang="en-US" b="0" dirty="0" err="1">
+                <a:solidFill>
+                  <a:srgbClr val="000000"/>
+                </a:solidFill>
+                <a:effectLst/>
+                <a:latin typeface="Calibri (Body)"/>
+              </a:rPr>
+              <a:t>irAEs</a:t>
+            </a:r>
+            <a:r>
+              <a:rPr lang="en-US" b="0" dirty="0">
+                <a:solidFill>
+                  <a:srgbClr val="000000"/>
+                </a:solidFill>
+                <a:effectLst/>
+                <a:latin typeface="Calibri (Body)"/>
+              </a:rPr>
+              <a:t>, good for the viral-infected cells to be attacked, right?)</a:t>
+            </a:r>
+          </a:p>
+        </p:txBody>
+      </p:sp>
+      <p:sp>
+        <p:nvSpPr>
+          <p:cNvPr id="4" name="Slide Number Placeholder 3"/>
+          <p:cNvSpPr>
+            <a:spLocks noGrp="1"/>
+          </p:cNvSpPr>
+          <p:nvPr>
+            <p:ph type="sldNum" sz="quarter" idx="5"/>
+          </p:nvPr>
+        </p:nvSpPr>
+        <p:spPr/>
+        <p:txBody>
+          <a:bodyPr/>
+          <a:lstStyle/>
+          <a:p>
+            <a:fld id="{061BAA8C-FDC6-D345-B4E0-3B02449209FB}" type="slidenum">
+              <a:rPr lang="en-US" smtClean="0"/>
+              <a:t>4</a:t>
+            </a:fld>
+            <a:endParaRPr lang="en-US"/>
+          </a:p>
+        </p:txBody>
+      </p:sp>
+    </p:spTree>
+    <p:extLst>
+      <p:ext uri="{BB962C8B-B14F-4D97-AF65-F5344CB8AC3E}">
+        <p14:creationId xmlns:p14="http://schemas.microsoft.com/office/powerpoint/2010/main" val="218214808"/>
+      </p:ext>
+    </p:extLst>
+  </p:cSld>
+  <p:clrMapOvr>
+    <a:masterClrMapping/>
+  </p:clrMapOvr>
+</p:notes>
+</file>
+
 <file path=ppt/slideLayouts/slideLayout1.xml><?xml version="1.0" encoding="utf-8"?>
 <p:sldLayout xmlns:a="http://schemas.openxmlformats.org/drawingml/2006/main" xmlns:r="http://schemas.openxmlformats.org/officeDocument/2006/relationships" xmlns:p="http://schemas.openxmlformats.org/presentationml/2006/main" type="title" preserve="1">
   <p:cSld name="Title Slide">
@@ -707,7 +848,7 @@
           <a:p>
             <a:fld id="{80FC6068-BAFB-FC44-B9D8-F4B3BB105DE6}" type="datetimeFigureOut">
               <a:rPr lang="en-US" smtClean="0"/>
-              <a:t>9/28/23</a:t>
+              <a:t>10/2/23</a:t>
             </a:fld>
             <a:endParaRPr lang="en-US"/>
           </a:p>
@@ -905,7 +1046,7 @@
           <a:p>
             <a:fld id="{80FC6068-BAFB-FC44-B9D8-F4B3BB105DE6}" type="datetimeFigureOut">
               <a:rPr lang="en-US" smtClean="0"/>
-              <a:t>9/28/23</a:t>
+              <a:t>10/2/23</a:t>
             </a:fld>
             <a:endParaRPr lang="en-US"/>
           </a:p>
@@ -1113,7 +1254,7 @@
           <a:p>
             <a:fld id="{80FC6068-BAFB-FC44-B9D8-F4B3BB105DE6}" type="datetimeFigureOut">
               <a:rPr lang="en-US" smtClean="0"/>
-              <a:t>9/28/23</a:t>
+              <a:t>10/2/23</a:t>
             </a:fld>
             <a:endParaRPr lang="en-US"/>
           </a:p>
@@ -1317,7 +1458,7 @@
           <a:p>
             <a:fld id="{80FC6068-BAFB-FC44-B9D8-F4B3BB105DE6}" type="datetimeFigureOut">
               <a:rPr lang="en-US" smtClean="0"/>
-              <a:t>9/28/23</a:t>
+              <a:t>10/2/23</a:t>
             </a:fld>
             <a:endParaRPr lang="en-US"/>
           </a:p>
@@ -1608,7 +1749,7 @@
           <a:p>
             <a:fld id="{80FC6068-BAFB-FC44-B9D8-F4B3BB105DE6}" type="datetimeFigureOut">
               <a:rPr lang="en-US" smtClean="0"/>
-              <a:t>9/28/23</a:t>
+              <a:t>10/2/23</a:t>
             </a:fld>
             <a:endParaRPr lang="en-US"/>
           </a:p>
@@ -1873,7 +2014,7 @@
           <a:p>
             <a:fld id="{80FC6068-BAFB-FC44-B9D8-F4B3BB105DE6}" type="datetimeFigureOut">
               <a:rPr lang="en-US" smtClean="0"/>
-              <a:t>9/28/23</a:t>
+              <a:t>10/2/23</a:t>
             </a:fld>
             <a:endParaRPr lang="en-US"/>
           </a:p>
@@ -2285,7 +2426,7 @@
           <a:p>
             <a:fld id="{80FC6068-BAFB-FC44-B9D8-F4B3BB105DE6}" type="datetimeFigureOut">
               <a:rPr lang="en-US" smtClean="0"/>
-              <a:t>9/28/23</a:t>
+              <a:t>10/2/23</a:t>
             </a:fld>
             <a:endParaRPr lang="en-US"/>
           </a:p>
@@ -2426,7 +2567,7 @@
           <a:p>
             <a:fld id="{80FC6068-BAFB-FC44-B9D8-F4B3BB105DE6}" type="datetimeFigureOut">
               <a:rPr lang="en-US" smtClean="0"/>
-              <a:t>9/28/23</a:t>
+              <a:t>10/2/23</a:t>
             </a:fld>
             <a:endParaRPr lang="en-US"/>
           </a:p>
@@ -2539,7 +2680,7 @@
           <a:p>
             <a:fld id="{80FC6068-BAFB-FC44-B9D8-F4B3BB105DE6}" type="datetimeFigureOut">
               <a:rPr lang="en-US" smtClean="0"/>
-              <a:t>9/28/23</a:t>
+              <a:t>10/2/23</a:t>
             </a:fld>
             <a:endParaRPr lang="en-US"/>
           </a:p>
@@ -2850,7 +2991,7 @@
           <a:p>
             <a:fld id="{80FC6068-BAFB-FC44-B9D8-F4B3BB105DE6}" type="datetimeFigureOut">
               <a:rPr lang="en-US" smtClean="0"/>
-              <a:t>9/28/23</a:t>
+              <a:t>10/2/23</a:t>
             </a:fld>
             <a:endParaRPr lang="en-US"/>
           </a:p>
@@ -3138,7 +3279,7 @@
           <a:p>
             <a:fld id="{80FC6068-BAFB-FC44-B9D8-F4B3BB105DE6}" type="datetimeFigureOut">
               <a:rPr lang="en-US" smtClean="0"/>
-              <a:t>9/28/23</a:t>
+              <a:t>10/2/23</a:t>
             </a:fld>
             <a:endParaRPr lang="en-US"/>
           </a:p>
@@ -3379,7 +3520,7 @@
           <a:p>
             <a:fld id="{80FC6068-BAFB-FC44-B9D8-F4B3BB105DE6}" type="datetimeFigureOut">
               <a:rPr lang="en-US" smtClean="0"/>
-              <a:t>9/28/23</a:t>
+              <a:t>10/2/23</a:t>
             </a:fld>
             <a:endParaRPr lang="en-US"/>
           </a:p>
@@ -4031,18 +4172,92 @@
                 <a:effectLst/>
                 <a:latin typeface="Calibri (Body)"/>
               </a:rPr>
-              <a:t>Progress in working on other papers</a:t>
-            </a:r>
-            <a:r>
-              <a:rPr lang="en-US" b="0">
-                <a:solidFill>
-                  <a:srgbClr val="000000"/>
-                </a:solidFill>
-                <a:effectLst/>
-                <a:latin typeface="Calibri (Body)"/>
-              </a:rPr>
-              <a:t>’ data</a:t>
-            </a:r>
+              <a:t>Progress in working on other papers’ data</a:t>
+            </a:r>
+          </a:p>
+        </p:txBody>
+      </p:sp>
+    </p:spTree>
+    <p:extLst>
+      <p:ext uri="{BB962C8B-B14F-4D97-AF65-F5344CB8AC3E}">
+        <p14:creationId xmlns:p14="http://schemas.microsoft.com/office/powerpoint/2010/main" val="1144802434"/>
+      </p:ext>
+    </p:extLst>
+  </p:cSld>
+  <p:clrMapOvr>
+    <a:masterClrMapping/>
+  </p:clrMapOvr>
+</p:sld>
+</file>
+
+<file path=ppt/slides/slide3.xml><?xml version="1.0" encoding="utf-8"?>
+<p:sld xmlns:a="http://schemas.openxmlformats.org/drawingml/2006/main" xmlns:r="http://schemas.openxmlformats.org/officeDocument/2006/relationships" xmlns:p="http://schemas.openxmlformats.org/presentationml/2006/main">
+  <p:cSld>
+    <p:spTree>
+      <p:nvGrpSpPr>
+        <p:cNvPr id="1" name=""/>
+        <p:cNvGrpSpPr/>
+        <p:nvPr/>
+      </p:nvGrpSpPr>
+      <p:grpSpPr>
+        <a:xfrm>
+          <a:off x="0" y="0"/>
+          <a:ext cx="0" cy="0"/>
+          <a:chOff x="0" y="0"/>
+          <a:chExt cx="0" cy="0"/>
+        </a:xfrm>
+      </p:grpSpPr>
+      <p:sp>
+        <p:nvSpPr>
+          <p:cNvPr id="2" name="Title 1">
+            <a:extLst>
+              <a:ext uri="{FF2B5EF4-FFF2-40B4-BE49-F238E27FC236}">
+                <a16:creationId xmlns:a16="http://schemas.microsoft.com/office/drawing/2014/main" id="{70A4C97D-8F21-3D3B-6A90-EA7145324964}"/>
+              </a:ext>
+            </a:extLst>
+          </p:cNvPr>
+          <p:cNvSpPr>
+            <a:spLocks noGrp="1"/>
+          </p:cNvSpPr>
+          <p:nvPr>
+            <p:ph type="title"/>
+          </p:nvPr>
+        </p:nvSpPr>
+        <p:spPr/>
+        <p:txBody>
+          <a:bodyPr/>
+          <a:lstStyle/>
+          <a:p>
+            <a:r>
+              <a:rPr lang="en-US" dirty="0"/>
+              <a:t>Main findings from Newman lab paper</a:t>
+            </a:r>
+          </a:p>
+        </p:txBody>
+      </p:sp>
+      <p:sp>
+        <p:nvSpPr>
+          <p:cNvPr id="3" name="Content Placeholder 2">
+            <a:extLst>
+              <a:ext uri="{FF2B5EF4-FFF2-40B4-BE49-F238E27FC236}">
+                <a16:creationId xmlns:a16="http://schemas.microsoft.com/office/drawing/2014/main" id="{B9501834-7B32-1ACA-4358-B630FB8EEC36}"/>
+              </a:ext>
+            </a:extLst>
+          </p:cNvPr>
+          <p:cNvSpPr>
+            <a:spLocks noGrp="1"/>
+          </p:cNvSpPr>
+          <p:nvPr>
+            <p:ph idx="1"/>
+          </p:nvPr>
+        </p:nvSpPr>
+        <p:spPr/>
+        <p:txBody>
+          <a:bodyPr>
+            <a:normAutofit/>
+          </a:bodyPr>
+          <a:lstStyle/>
+          <a:p>
             <a:endParaRPr lang="en-US" b="0" dirty="0">
               <a:solidFill>
                 <a:srgbClr val="000000"/>
@@ -4056,7 +4271,661 @@
     </p:spTree>
     <p:extLst>
       <p:ext uri="{BB962C8B-B14F-4D97-AF65-F5344CB8AC3E}">
-        <p14:creationId xmlns:p14="http://schemas.microsoft.com/office/powerpoint/2010/main" val="1144802434"/>
+        <p14:creationId xmlns:p14="http://schemas.microsoft.com/office/powerpoint/2010/main" val="2383341112"/>
+      </p:ext>
+    </p:extLst>
+  </p:cSld>
+  <p:clrMapOvr>
+    <a:masterClrMapping/>
+  </p:clrMapOvr>
+</p:sld>
+</file>
+
+<file path=ppt/slides/slide4.xml><?xml version="1.0" encoding="utf-8"?>
+<p:sld xmlns:a="http://schemas.openxmlformats.org/drawingml/2006/main" xmlns:r="http://schemas.openxmlformats.org/officeDocument/2006/relationships" xmlns:p="http://schemas.openxmlformats.org/presentationml/2006/main">
+  <p:cSld>
+    <p:spTree>
+      <p:nvGrpSpPr>
+        <p:cNvPr id="1" name=""/>
+        <p:cNvGrpSpPr/>
+        <p:nvPr/>
+      </p:nvGrpSpPr>
+      <p:grpSpPr>
+        <a:xfrm>
+          <a:off x="0" y="0"/>
+          <a:ext cx="0" cy="0"/>
+          <a:chOff x="0" y="0"/>
+          <a:chExt cx="0" cy="0"/>
+        </a:xfrm>
+      </p:grpSpPr>
+      <p:sp>
+        <p:nvSpPr>
+          <p:cNvPr id="2" name="Title 1">
+            <a:extLst>
+              <a:ext uri="{FF2B5EF4-FFF2-40B4-BE49-F238E27FC236}">
+                <a16:creationId xmlns:a16="http://schemas.microsoft.com/office/drawing/2014/main" id="{70A4C97D-8F21-3D3B-6A90-EA7145324964}"/>
+              </a:ext>
+            </a:extLst>
+          </p:cNvPr>
+          <p:cNvSpPr>
+            <a:spLocks noGrp="1"/>
+          </p:cNvSpPr>
+          <p:nvPr>
+            <p:ph type="title"/>
+          </p:nvPr>
+        </p:nvSpPr>
+        <p:spPr/>
+        <p:txBody>
+          <a:bodyPr/>
+          <a:lstStyle/>
+          <a:p>
+            <a:r>
+              <a:rPr lang="en-US" dirty="0"/>
+              <a:t>Main findings related to T cell clonal expansion</a:t>
+            </a:r>
+          </a:p>
+        </p:txBody>
+      </p:sp>
+      <p:sp>
+        <p:nvSpPr>
+          <p:cNvPr id="3" name="Content Placeholder 2">
+            <a:extLst>
+              <a:ext uri="{FF2B5EF4-FFF2-40B4-BE49-F238E27FC236}">
+                <a16:creationId xmlns:a16="http://schemas.microsoft.com/office/drawing/2014/main" id="{B9501834-7B32-1ACA-4358-B630FB8EEC36}"/>
+              </a:ext>
+            </a:extLst>
+          </p:cNvPr>
+          <p:cNvSpPr>
+            <a:spLocks noGrp="1"/>
+          </p:cNvSpPr>
+          <p:nvPr>
+            <p:ph idx="1"/>
+          </p:nvPr>
+        </p:nvSpPr>
+        <p:spPr/>
+        <p:txBody>
+          <a:bodyPr>
+            <a:normAutofit/>
+          </a:bodyPr>
+          <a:lstStyle/>
+          <a:p>
+            <a:r>
+              <a:rPr lang="en-US" b="0" dirty="0">
+                <a:solidFill>
+                  <a:srgbClr val="000000"/>
+                </a:solidFill>
+                <a:effectLst/>
+                <a:latin typeface="Calibri (Body)"/>
+              </a:rPr>
+              <a:t>Peripheral TCR clonal expansion linked to severe </a:t>
+            </a:r>
+            <a:r>
+              <a:rPr lang="en-US" b="0" dirty="0" err="1">
+                <a:solidFill>
+                  <a:srgbClr val="000000"/>
+                </a:solidFill>
+                <a:effectLst/>
+                <a:latin typeface="Calibri (Body)"/>
+              </a:rPr>
+              <a:t>irAEs</a:t>
+            </a:r>
+            <a:endParaRPr lang="en-US" b="0" dirty="0">
+              <a:solidFill>
+                <a:srgbClr val="000000"/>
+              </a:solidFill>
+              <a:effectLst/>
+              <a:latin typeface="Calibri (Body)"/>
+            </a:endParaRPr>
+          </a:p>
+          <a:p>
+            <a:pPr lvl="1"/>
+            <a:r>
+              <a:rPr lang="en-US" b="0" dirty="0">
+                <a:solidFill>
+                  <a:srgbClr val="000000"/>
+                </a:solidFill>
+                <a:effectLst/>
+                <a:latin typeface="Calibri (Body)"/>
+              </a:rPr>
+              <a:t>Hypothesis: pre-treatment TCR clonotypes in peripheral blood might show greater propensity to expand in patients destined to develop severe </a:t>
+            </a:r>
+            <a:r>
+              <a:rPr lang="en-US" b="0" dirty="0" err="1">
+                <a:solidFill>
+                  <a:srgbClr val="000000"/>
+                </a:solidFill>
+                <a:effectLst/>
+                <a:latin typeface="Calibri (Body)"/>
+              </a:rPr>
+              <a:t>irAEs</a:t>
+            </a:r>
+            <a:r>
+              <a:rPr lang="en-US" b="0" dirty="0">
+                <a:solidFill>
+                  <a:srgbClr val="000000"/>
+                </a:solidFill>
+                <a:effectLst/>
+                <a:latin typeface="Calibri (Body)"/>
+              </a:rPr>
+              <a:t> after ICI</a:t>
+            </a:r>
+          </a:p>
+          <a:p>
+            <a:pPr lvl="2"/>
+            <a:r>
+              <a:rPr lang="en-US" i="1" dirty="0">
+                <a:solidFill>
+                  <a:srgbClr val="000000"/>
+                </a:solidFill>
+                <a:latin typeface="Calibri (Body)"/>
+              </a:rPr>
+              <a:t>Why not only specifically expansion of self-reactive T cells hypothesized to be linked to </a:t>
+            </a:r>
+            <a:r>
+              <a:rPr lang="en-US" i="1" dirty="0" err="1">
+                <a:solidFill>
+                  <a:srgbClr val="000000"/>
+                </a:solidFill>
+                <a:latin typeface="Calibri (Body)"/>
+              </a:rPr>
+              <a:t>irAEs</a:t>
+            </a:r>
+            <a:r>
+              <a:rPr lang="en-US" i="1">
+                <a:solidFill>
+                  <a:srgbClr val="000000"/>
+                </a:solidFill>
+                <a:latin typeface="Calibri (Body)"/>
+              </a:rPr>
+              <a:t>?</a:t>
+            </a:r>
+            <a:endParaRPr lang="en-US" b="0" i="1" dirty="0">
+              <a:solidFill>
+                <a:srgbClr val="000000"/>
+              </a:solidFill>
+              <a:effectLst/>
+              <a:latin typeface="Calibri (Body)"/>
+            </a:endParaRPr>
+          </a:p>
+          <a:p>
+            <a:pPr lvl="1"/>
+            <a:r>
+              <a:rPr lang="en-US" b="0" dirty="0">
+                <a:solidFill>
+                  <a:srgbClr val="000000"/>
+                </a:solidFill>
+                <a:effectLst/>
+                <a:latin typeface="Calibri (Body)"/>
+              </a:rPr>
+              <a:t>Results: increased TCR clonal expansion and persistence of baseline clones in patients developing severe </a:t>
+            </a:r>
+            <a:r>
+              <a:rPr lang="en-US" b="0" dirty="0" err="1">
+                <a:solidFill>
+                  <a:srgbClr val="000000"/>
+                </a:solidFill>
+                <a:effectLst/>
+                <a:latin typeface="Calibri (Body)"/>
+              </a:rPr>
+              <a:t>irAEs</a:t>
+            </a:r>
+            <a:r>
+              <a:rPr lang="en-US" b="0" dirty="0">
+                <a:solidFill>
+                  <a:srgbClr val="000000"/>
+                </a:solidFill>
+                <a:effectLst/>
+                <a:latin typeface="Calibri (Body)"/>
+              </a:rPr>
+              <a:t> (preferential expansion of activated CD4 TEM)</a:t>
+            </a:r>
+          </a:p>
+        </p:txBody>
+      </p:sp>
+    </p:spTree>
+    <p:extLst>
+      <p:ext uri="{BB962C8B-B14F-4D97-AF65-F5344CB8AC3E}">
+        <p14:creationId xmlns:p14="http://schemas.microsoft.com/office/powerpoint/2010/main" val="3205620356"/>
+      </p:ext>
+    </p:extLst>
+  </p:cSld>
+  <p:clrMapOvr>
+    <a:masterClrMapping/>
+  </p:clrMapOvr>
+</p:sld>
+</file>
+
+<file path=ppt/slides/slide5.xml><?xml version="1.0" encoding="utf-8"?>
+<p:sld xmlns:a="http://schemas.openxmlformats.org/drawingml/2006/main" xmlns:r="http://schemas.openxmlformats.org/officeDocument/2006/relationships" xmlns:p="http://schemas.openxmlformats.org/presentationml/2006/main">
+  <p:cSld>
+    <p:spTree>
+      <p:nvGrpSpPr>
+        <p:cNvPr id="1" name=""/>
+        <p:cNvGrpSpPr/>
+        <p:nvPr/>
+      </p:nvGrpSpPr>
+      <p:grpSpPr>
+        <a:xfrm>
+          <a:off x="0" y="0"/>
+          <a:ext cx="0" cy="0"/>
+          <a:chOff x="0" y="0"/>
+          <a:chExt cx="0" cy="0"/>
+        </a:xfrm>
+      </p:grpSpPr>
+      <p:sp>
+        <p:nvSpPr>
+          <p:cNvPr id="2" name="Title 1">
+            <a:extLst>
+              <a:ext uri="{FF2B5EF4-FFF2-40B4-BE49-F238E27FC236}">
+                <a16:creationId xmlns:a16="http://schemas.microsoft.com/office/drawing/2014/main" id="{70A4C97D-8F21-3D3B-6A90-EA7145324964}"/>
+              </a:ext>
+            </a:extLst>
+          </p:cNvPr>
+          <p:cNvSpPr>
+            <a:spLocks noGrp="1"/>
+          </p:cNvSpPr>
+          <p:nvPr>
+            <p:ph type="title"/>
+          </p:nvPr>
+        </p:nvSpPr>
+        <p:spPr/>
+        <p:txBody>
+          <a:bodyPr/>
+          <a:lstStyle/>
+          <a:p>
+            <a:endParaRPr lang="en-US" dirty="0"/>
+          </a:p>
+        </p:txBody>
+      </p:sp>
+      <p:sp>
+        <p:nvSpPr>
+          <p:cNvPr id="3" name="Content Placeholder 2">
+            <a:extLst>
+              <a:ext uri="{FF2B5EF4-FFF2-40B4-BE49-F238E27FC236}">
+                <a16:creationId xmlns:a16="http://schemas.microsoft.com/office/drawing/2014/main" id="{B9501834-7B32-1ACA-4358-B630FB8EEC36}"/>
+              </a:ext>
+            </a:extLst>
+          </p:cNvPr>
+          <p:cNvSpPr>
+            <a:spLocks noGrp="1"/>
+          </p:cNvSpPr>
+          <p:nvPr>
+            <p:ph idx="1"/>
+          </p:nvPr>
+        </p:nvSpPr>
+        <p:spPr/>
+        <p:txBody>
+          <a:bodyPr>
+            <a:normAutofit/>
+          </a:bodyPr>
+          <a:lstStyle/>
+          <a:p>
+            <a:endParaRPr lang="en-US" b="0" dirty="0">
+              <a:solidFill>
+                <a:srgbClr val="000000"/>
+              </a:solidFill>
+              <a:effectLst/>
+              <a:latin typeface="Calibri (Body)"/>
+            </a:endParaRPr>
+          </a:p>
+        </p:txBody>
+      </p:sp>
+    </p:spTree>
+    <p:extLst>
+      <p:ext uri="{BB962C8B-B14F-4D97-AF65-F5344CB8AC3E}">
+        <p14:creationId xmlns:p14="http://schemas.microsoft.com/office/powerpoint/2010/main" val="4148404279"/>
+      </p:ext>
+    </p:extLst>
+  </p:cSld>
+  <p:clrMapOvr>
+    <a:masterClrMapping/>
+  </p:clrMapOvr>
+</p:sld>
+</file>
+
+<file path=ppt/slides/slide6.xml><?xml version="1.0" encoding="utf-8"?>
+<p:sld xmlns:a="http://schemas.openxmlformats.org/drawingml/2006/main" xmlns:r="http://schemas.openxmlformats.org/officeDocument/2006/relationships" xmlns:p="http://schemas.openxmlformats.org/presentationml/2006/main">
+  <p:cSld>
+    <p:spTree>
+      <p:nvGrpSpPr>
+        <p:cNvPr id="1" name=""/>
+        <p:cNvGrpSpPr/>
+        <p:nvPr/>
+      </p:nvGrpSpPr>
+      <p:grpSpPr>
+        <a:xfrm>
+          <a:off x="0" y="0"/>
+          <a:ext cx="0" cy="0"/>
+          <a:chOff x="0" y="0"/>
+          <a:chExt cx="0" cy="0"/>
+        </a:xfrm>
+      </p:grpSpPr>
+      <p:sp>
+        <p:nvSpPr>
+          <p:cNvPr id="2" name="Title 1">
+            <a:extLst>
+              <a:ext uri="{FF2B5EF4-FFF2-40B4-BE49-F238E27FC236}">
+                <a16:creationId xmlns:a16="http://schemas.microsoft.com/office/drawing/2014/main" id="{70A4C97D-8F21-3D3B-6A90-EA7145324964}"/>
+              </a:ext>
+            </a:extLst>
+          </p:cNvPr>
+          <p:cNvSpPr>
+            <a:spLocks noGrp="1"/>
+          </p:cNvSpPr>
+          <p:nvPr>
+            <p:ph type="title"/>
+          </p:nvPr>
+        </p:nvSpPr>
+        <p:spPr/>
+        <p:txBody>
+          <a:bodyPr/>
+          <a:lstStyle/>
+          <a:p>
+            <a:endParaRPr lang="en-US" dirty="0"/>
+          </a:p>
+        </p:txBody>
+      </p:sp>
+      <p:sp>
+        <p:nvSpPr>
+          <p:cNvPr id="3" name="Content Placeholder 2">
+            <a:extLst>
+              <a:ext uri="{FF2B5EF4-FFF2-40B4-BE49-F238E27FC236}">
+                <a16:creationId xmlns:a16="http://schemas.microsoft.com/office/drawing/2014/main" id="{B9501834-7B32-1ACA-4358-B630FB8EEC36}"/>
+              </a:ext>
+            </a:extLst>
+          </p:cNvPr>
+          <p:cNvSpPr>
+            <a:spLocks noGrp="1"/>
+          </p:cNvSpPr>
+          <p:nvPr>
+            <p:ph idx="1"/>
+          </p:nvPr>
+        </p:nvSpPr>
+        <p:spPr/>
+        <p:txBody>
+          <a:bodyPr>
+            <a:normAutofit/>
+          </a:bodyPr>
+          <a:lstStyle/>
+          <a:p>
+            <a:endParaRPr lang="en-US" b="0" dirty="0">
+              <a:solidFill>
+                <a:srgbClr val="000000"/>
+              </a:solidFill>
+              <a:effectLst/>
+              <a:latin typeface="Calibri (Body)"/>
+            </a:endParaRPr>
+          </a:p>
+        </p:txBody>
+      </p:sp>
+    </p:spTree>
+    <p:extLst>
+      <p:ext uri="{BB962C8B-B14F-4D97-AF65-F5344CB8AC3E}">
+        <p14:creationId xmlns:p14="http://schemas.microsoft.com/office/powerpoint/2010/main" val="3409697519"/>
+      </p:ext>
+    </p:extLst>
+  </p:cSld>
+  <p:clrMapOvr>
+    <a:masterClrMapping/>
+  </p:clrMapOvr>
+</p:sld>
+</file>
+
+<file path=ppt/slides/slide7.xml><?xml version="1.0" encoding="utf-8"?>
+<p:sld xmlns:a="http://schemas.openxmlformats.org/drawingml/2006/main" xmlns:r="http://schemas.openxmlformats.org/officeDocument/2006/relationships" xmlns:p="http://schemas.openxmlformats.org/presentationml/2006/main">
+  <p:cSld>
+    <p:spTree>
+      <p:nvGrpSpPr>
+        <p:cNvPr id="1" name=""/>
+        <p:cNvGrpSpPr/>
+        <p:nvPr/>
+      </p:nvGrpSpPr>
+      <p:grpSpPr>
+        <a:xfrm>
+          <a:off x="0" y="0"/>
+          <a:ext cx="0" cy="0"/>
+          <a:chOff x="0" y="0"/>
+          <a:chExt cx="0" cy="0"/>
+        </a:xfrm>
+      </p:grpSpPr>
+      <p:sp>
+        <p:nvSpPr>
+          <p:cNvPr id="2" name="Title 1">
+            <a:extLst>
+              <a:ext uri="{FF2B5EF4-FFF2-40B4-BE49-F238E27FC236}">
+                <a16:creationId xmlns:a16="http://schemas.microsoft.com/office/drawing/2014/main" id="{70A4C97D-8F21-3D3B-6A90-EA7145324964}"/>
+              </a:ext>
+            </a:extLst>
+          </p:cNvPr>
+          <p:cNvSpPr>
+            <a:spLocks noGrp="1"/>
+          </p:cNvSpPr>
+          <p:nvPr>
+            <p:ph type="title"/>
+          </p:nvPr>
+        </p:nvSpPr>
+        <p:spPr/>
+        <p:txBody>
+          <a:bodyPr/>
+          <a:lstStyle/>
+          <a:p>
+            <a:endParaRPr lang="en-US" dirty="0"/>
+          </a:p>
+        </p:txBody>
+      </p:sp>
+      <p:sp>
+        <p:nvSpPr>
+          <p:cNvPr id="3" name="Content Placeholder 2">
+            <a:extLst>
+              <a:ext uri="{FF2B5EF4-FFF2-40B4-BE49-F238E27FC236}">
+                <a16:creationId xmlns:a16="http://schemas.microsoft.com/office/drawing/2014/main" id="{B9501834-7B32-1ACA-4358-B630FB8EEC36}"/>
+              </a:ext>
+            </a:extLst>
+          </p:cNvPr>
+          <p:cNvSpPr>
+            <a:spLocks noGrp="1"/>
+          </p:cNvSpPr>
+          <p:nvPr>
+            <p:ph idx="1"/>
+          </p:nvPr>
+        </p:nvSpPr>
+        <p:spPr/>
+        <p:txBody>
+          <a:bodyPr>
+            <a:normAutofit/>
+          </a:bodyPr>
+          <a:lstStyle/>
+          <a:p>
+            <a:endParaRPr lang="en-US" b="0" dirty="0">
+              <a:solidFill>
+                <a:srgbClr val="000000"/>
+              </a:solidFill>
+              <a:effectLst/>
+              <a:latin typeface="Calibri (Body)"/>
+            </a:endParaRPr>
+          </a:p>
+        </p:txBody>
+      </p:sp>
+    </p:spTree>
+    <p:extLst>
+      <p:ext uri="{BB962C8B-B14F-4D97-AF65-F5344CB8AC3E}">
+        <p14:creationId xmlns:p14="http://schemas.microsoft.com/office/powerpoint/2010/main" val="4127579897"/>
+      </p:ext>
+    </p:extLst>
+  </p:cSld>
+  <p:clrMapOvr>
+    <a:masterClrMapping/>
+  </p:clrMapOvr>
+</p:sld>
+</file>
+
+<file path=ppt/slides/slide8.xml><?xml version="1.0" encoding="utf-8"?>
+<p:sld xmlns:a="http://schemas.openxmlformats.org/drawingml/2006/main" xmlns:r="http://schemas.openxmlformats.org/officeDocument/2006/relationships" xmlns:p="http://schemas.openxmlformats.org/presentationml/2006/main">
+  <p:cSld>
+    <p:spTree>
+      <p:nvGrpSpPr>
+        <p:cNvPr id="1" name=""/>
+        <p:cNvGrpSpPr/>
+        <p:nvPr/>
+      </p:nvGrpSpPr>
+      <p:grpSpPr>
+        <a:xfrm>
+          <a:off x="0" y="0"/>
+          <a:ext cx="0" cy="0"/>
+          <a:chOff x="0" y="0"/>
+          <a:chExt cx="0" cy="0"/>
+        </a:xfrm>
+      </p:grpSpPr>
+      <p:sp>
+        <p:nvSpPr>
+          <p:cNvPr id="2" name="Title 1">
+            <a:extLst>
+              <a:ext uri="{FF2B5EF4-FFF2-40B4-BE49-F238E27FC236}">
+                <a16:creationId xmlns:a16="http://schemas.microsoft.com/office/drawing/2014/main" id="{70A4C97D-8F21-3D3B-6A90-EA7145324964}"/>
+              </a:ext>
+            </a:extLst>
+          </p:cNvPr>
+          <p:cNvSpPr>
+            <a:spLocks noGrp="1"/>
+          </p:cNvSpPr>
+          <p:nvPr>
+            <p:ph type="title"/>
+          </p:nvPr>
+        </p:nvSpPr>
+        <p:spPr/>
+        <p:txBody>
+          <a:bodyPr/>
+          <a:lstStyle/>
+          <a:p>
+            <a:endParaRPr lang="en-US" dirty="0"/>
+          </a:p>
+        </p:txBody>
+      </p:sp>
+      <p:sp>
+        <p:nvSpPr>
+          <p:cNvPr id="3" name="Content Placeholder 2">
+            <a:extLst>
+              <a:ext uri="{FF2B5EF4-FFF2-40B4-BE49-F238E27FC236}">
+                <a16:creationId xmlns:a16="http://schemas.microsoft.com/office/drawing/2014/main" id="{B9501834-7B32-1ACA-4358-B630FB8EEC36}"/>
+              </a:ext>
+            </a:extLst>
+          </p:cNvPr>
+          <p:cNvSpPr>
+            <a:spLocks noGrp="1"/>
+          </p:cNvSpPr>
+          <p:nvPr>
+            <p:ph idx="1"/>
+          </p:nvPr>
+        </p:nvSpPr>
+        <p:spPr/>
+        <p:txBody>
+          <a:bodyPr>
+            <a:normAutofit/>
+          </a:bodyPr>
+          <a:lstStyle/>
+          <a:p>
+            <a:endParaRPr lang="en-US" b="0" dirty="0">
+              <a:solidFill>
+                <a:srgbClr val="000000"/>
+              </a:solidFill>
+              <a:effectLst/>
+              <a:latin typeface="Calibri (Body)"/>
+            </a:endParaRPr>
+          </a:p>
+        </p:txBody>
+      </p:sp>
+    </p:spTree>
+    <p:extLst>
+      <p:ext uri="{BB962C8B-B14F-4D97-AF65-F5344CB8AC3E}">
+        <p14:creationId xmlns:p14="http://schemas.microsoft.com/office/powerpoint/2010/main" val="3013847022"/>
+      </p:ext>
+    </p:extLst>
+  </p:cSld>
+  <p:clrMapOvr>
+    <a:masterClrMapping/>
+  </p:clrMapOvr>
+</p:sld>
+</file>
+
+<file path=ppt/slides/slide9.xml><?xml version="1.0" encoding="utf-8"?>
+<p:sld xmlns:a="http://schemas.openxmlformats.org/drawingml/2006/main" xmlns:r="http://schemas.openxmlformats.org/officeDocument/2006/relationships" xmlns:p="http://schemas.openxmlformats.org/presentationml/2006/main">
+  <p:cSld>
+    <p:spTree>
+      <p:nvGrpSpPr>
+        <p:cNvPr id="1" name=""/>
+        <p:cNvGrpSpPr/>
+        <p:nvPr/>
+      </p:nvGrpSpPr>
+      <p:grpSpPr>
+        <a:xfrm>
+          <a:off x="0" y="0"/>
+          <a:ext cx="0" cy="0"/>
+          <a:chOff x="0" y="0"/>
+          <a:chExt cx="0" cy="0"/>
+        </a:xfrm>
+      </p:grpSpPr>
+      <p:sp>
+        <p:nvSpPr>
+          <p:cNvPr id="2" name="Title 1">
+            <a:extLst>
+              <a:ext uri="{FF2B5EF4-FFF2-40B4-BE49-F238E27FC236}">
+                <a16:creationId xmlns:a16="http://schemas.microsoft.com/office/drawing/2014/main" id="{70A4C97D-8F21-3D3B-6A90-EA7145324964}"/>
+              </a:ext>
+            </a:extLst>
+          </p:cNvPr>
+          <p:cNvSpPr>
+            <a:spLocks noGrp="1"/>
+          </p:cNvSpPr>
+          <p:nvPr>
+            <p:ph type="title"/>
+          </p:nvPr>
+        </p:nvSpPr>
+        <p:spPr/>
+        <p:txBody>
+          <a:bodyPr/>
+          <a:lstStyle/>
+          <a:p>
+            <a:endParaRPr lang="en-US" dirty="0"/>
+          </a:p>
+        </p:txBody>
+      </p:sp>
+      <p:sp>
+        <p:nvSpPr>
+          <p:cNvPr id="3" name="Content Placeholder 2">
+            <a:extLst>
+              <a:ext uri="{FF2B5EF4-FFF2-40B4-BE49-F238E27FC236}">
+                <a16:creationId xmlns:a16="http://schemas.microsoft.com/office/drawing/2014/main" id="{B9501834-7B32-1ACA-4358-B630FB8EEC36}"/>
+              </a:ext>
+            </a:extLst>
+          </p:cNvPr>
+          <p:cNvSpPr>
+            <a:spLocks noGrp="1"/>
+          </p:cNvSpPr>
+          <p:nvPr>
+            <p:ph idx="1"/>
+          </p:nvPr>
+        </p:nvSpPr>
+        <p:spPr/>
+        <p:txBody>
+          <a:bodyPr>
+            <a:normAutofit/>
+          </a:bodyPr>
+          <a:lstStyle/>
+          <a:p>
+            <a:endParaRPr lang="en-US" b="0" dirty="0">
+              <a:solidFill>
+                <a:srgbClr val="000000"/>
+              </a:solidFill>
+              <a:effectLst/>
+              <a:latin typeface="Calibri (Body)"/>
+            </a:endParaRPr>
+          </a:p>
+        </p:txBody>
+      </p:sp>
+    </p:spTree>
+    <p:extLst>
+      <p:ext uri="{BB962C8B-B14F-4D97-AF65-F5344CB8AC3E}">
+        <p14:creationId xmlns:p14="http://schemas.microsoft.com/office/powerpoint/2010/main" val="1367704717"/>
       </p:ext>
     </p:extLst>
   </p:cSld>

--- a/linsley_postdoc/presentations/weekly_meetings/10_5_23.pptx
+++ b/linsley_postdoc/presentations/weekly_meetings/10_5_23.pptx
@@ -216,7 +216,7 @@
           <a:p>
             <a:fld id="{E933A773-0DCE-3544-BB67-D5FA58DF903C}" type="datetimeFigureOut">
               <a:rPr lang="en-US" smtClean="0"/>
-              <a:t>10/2/23</a:t>
+              <a:t>10/3/23</a:t>
             </a:fld>
             <a:endParaRPr lang="en-US"/>
           </a:p>
@@ -848,7 +848,7 @@
           <a:p>
             <a:fld id="{80FC6068-BAFB-FC44-B9D8-F4B3BB105DE6}" type="datetimeFigureOut">
               <a:rPr lang="en-US" smtClean="0"/>
-              <a:t>10/2/23</a:t>
+              <a:t>10/3/23</a:t>
             </a:fld>
             <a:endParaRPr lang="en-US"/>
           </a:p>
@@ -1046,7 +1046,7 @@
           <a:p>
             <a:fld id="{80FC6068-BAFB-FC44-B9D8-F4B3BB105DE6}" type="datetimeFigureOut">
               <a:rPr lang="en-US" smtClean="0"/>
-              <a:t>10/2/23</a:t>
+              <a:t>10/3/23</a:t>
             </a:fld>
             <a:endParaRPr lang="en-US"/>
           </a:p>
@@ -1254,7 +1254,7 @@
           <a:p>
             <a:fld id="{80FC6068-BAFB-FC44-B9D8-F4B3BB105DE6}" type="datetimeFigureOut">
               <a:rPr lang="en-US" smtClean="0"/>
-              <a:t>10/2/23</a:t>
+              <a:t>10/3/23</a:t>
             </a:fld>
             <a:endParaRPr lang="en-US"/>
           </a:p>
@@ -1458,7 +1458,7 @@
           <a:p>
             <a:fld id="{80FC6068-BAFB-FC44-B9D8-F4B3BB105DE6}" type="datetimeFigureOut">
               <a:rPr lang="en-US" smtClean="0"/>
-              <a:t>10/2/23</a:t>
+              <a:t>10/3/23</a:t>
             </a:fld>
             <a:endParaRPr lang="en-US"/>
           </a:p>
@@ -1749,7 +1749,7 @@
           <a:p>
             <a:fld id="{80FC6068-BAFB-FC44-B9D8-F4B3BB105DE6}" type="datetimeFigureOut">
               <a:rPr lang="en-US" smtClean="0"/>
-              <a:t>10/2/23</a:t>
+              <a:t>10/3/23</a:t>
             </a:fld>
             <a:endParaRPr lang="en-US"/>
           </a:p>
@@ -2014,7 +2014,7 @@
           <a:p>
             <a:fld id="{80FC6068-BAFB-FC44-B9D8-F4B3BB105DE6}" type="datetimeFigureOut">
               <a:rPr lang="en-US" smtClean="0"/>
-              <a:t>10/2/23</a:t>
+              <a:t>10/3/23</a:t>
             </a:fld>
             <a:endParaRPr lang="en-US"/>
           </a:p>
@@ -2426,7 +2426,7 @@
           <a:p>
             <a:fld id="{80FC6068-BAFB-FC44-B9D8-F4B3BB105DE6}" type="datetimeFigureOut">
               <a:rPr lang="en-US" smtClean="0"/>
-              <a:t>10/2/23</a:t>
+              <a:t>10/3/23</a:t>
             </a:fld>
             <a:endParaRPr lang="en-US"/>
           </a:p>
@@ -2567,7 +2567,7 @@
           <a:p>
             <a:fld id="{80FC6068-BAFB-FC44-B9D8-F4B3BB105DE6}" type="datetimeFigureOut">
               <a:rPr lang="en-US" smtClean="0"/>
-              <a:t>10/2/23</a:t>
+              <a:t>10/3/23</a:t>
             </a:fld>
             <a:endParaRPr lang="en-US"/>
           </a:p>
@@ -2680,7 +2680,7 @@
           <a:p>
             <a:fld id="{80FC6068-BAFB-FC44-B9D8-F4B3BB105DE6}" type="datetimeFigureOut">
               <a:rPr lang="en-US" smtClean="0"/>
-              <a:t>10/2/23</a:t>
+              <a:t>10/3/23</a:t>
             </a:fld>
             <a:endParaRPr lang="en-US"/>
           </a:p>
@@ -2991,7 +2991,7 @@
           <a:p>
             <a:fld id="{80FC6068-BAFB-FC44-B9D8-F4B3BB105DE6}" type="datetimeFigureOut">
               <a:rPr lang="en-US" smtClean="0"/>
-              <a:t>10/2/23</a:t>
+              <a:t>10/3/23</a:t>
             </a:fld>
             <a:endParaRPr lang="en-US"/>
           </a:p>
@@ -3279,7 +3279,7 @@
           <a:p>
             <a:fld id="{80FC6068-BAFB-FC44-B9D8-F4B3BB105DE6}" type="datetimeFigureOut">
               <a:rPr lang="en-US" smtClean="0"/>
-              <a:t>10/2/23</a:t>
+              <a:t>10/3/23</a:t>
             </a:fld>
             <a:endParaRPr lang="en-US"/>
           </a:p>
@@ -3520,7 +3520,7 @@
           <a:p>
             <a:fld id="{80FC6068-BAFB-FC44-B9D8-F4B3BB105DE6}" type="datetimeFigureOut">
               <a:rPr lang="en-US" smtClean="0"/>
-              <a:t>10/2/23</a:t>
+              <a:t>10/3/23</a:t>
             </a:fld>
             <a:endParaRPr lang="en-US"/>
           </a:p>
@@ -4533,6 +4533,14 @@
           <a:bodyPr/>
           <a:lstStyle/>
           <a:p>
+            <a:r>
+              <a:rPr lang="en-US" dirty="0"/>
+              <a:t>Insights from </a:t>
+            </a:r>
+            <a:r>
+              <a:rPr lang="en-US"/>
+              <a:t>discussion section</a:t>
+            </a:r>
             <a:endParaRPr lang="en-US" dirty="0"/>
           </a:p>
         </p:txBody>

--- a/linsley_postdoc/presentations/weekly_meetings/10_5_23.pptx
+++ b/linsley_postdoc/presentations/weekly_meetings/10_5_23.pptx
@@ -5,7 +5,7 @@
     <p:sldMasterId id="2147483648" r:id="rId1"/>
   </p:sldMasterIdLst>
   <p:notesMasterIdLst>
-    <p:notesMasterId r:id="rId11"/>
+    <p:notesMasterId r:id="rId13"/>
   </p:notesMasterIdLst>
   <p:sldIdLst>
     <p:sldId id="256" r:id="rId2"/>
@@ -14,9 +14,11 @@
     <p:sldId id="379" r:id="rId5"/>
     <p:sldId id="380" r:id="rId6"/>
     <p:sldId id="381" r:id="rId7"/>
-    <p:sldId id="382" r:id="rId8"/>
+    <p:sldId id="385" r:id="rId8"/>
     <p:sldId id="383" r:id="rId9"/>
     <p:sldId id="384" r:id="rId10"/>
+    <p:sldId id="382" r:id="rId11"/>
+    <p:sldId id="386" r:id="rId12"/>
   </p:sldIdLst>
   <p:sldSz cx="12192000" cy="6858000"/>
   <p:notesSz cx="6858000" cy="9144000"/>
@@ -216,7 +218,7 @@
           <a:p>
             <a:fld id="{E933A773-0DCE-3544-BB67-D5FA58DF903C}" type="datetimeFigureOut">
               <a:rPr lang="en-US" smtClean="0"/>
-              <a:t>10/3/23</a:t>
+              <a:t>10/4/23</a:t>
             </a:fld>
             <a:endParaRPr lang="en-US"/>
           </a:p>
@@ -611,56 +613,240 @@
           <a:bodyPr/>
           <a:lstStyle/>
           <a:p>
-            <a:pPr lvl="1"/>
+            <a:endParaRPr lang="en-US" dirty="0"/>
+          </a:p>
+          <a:p>
             <a:r>
               <a:rPr lang="en-US" b="0" dirty="0">
                 <a:solidFill>
-                  <a:srgbClr val="000000"/>
+                  <a:srgbClr val="6796E6"/>
                 </a:solidFill>
                 <a:effectLst/>
-                <a:latin typeface="Calibri (Body)"/>
+                <a:latin typeface="Menlo" panose="020B0609030804020204" pitchFamily="49" charset="0"/>
               </a:rPr>
-              <a:t>prior evidence of clonally expanded self/virus-reactive T cells in affected tissue linking self/pathogen-recognizing T cell clones to </a:t>
+              <a:t>-</a:t>
+            </a:r>
+            <a:r>
+              <a:rPr lang="en-US" b="0" dirty="0">
+                <a:solidFill>
+                  <a:srgbClr val="CCCCCC"/>
+                </a:solidFill>
+                <a:effectLst/>
+                <a:latin typeface="Menlo" panose="020B0609030804020204" pitchFamily="49" charset="0"/>
+              </a:rPr>
+              <a:t> CD4 effector memory T cells at higher levels in pretreatment blood associated with severe </a:t>
             </a:r>
             <a:r>
               <a:rPr lang="en-US" b="0" dirty="0" err="1">
                 <a:solidFill>
-                  <a:srgbClr val="000000"/>
+                  <a:srgbClr val="CCCCCC"/>
                 </a:solidFill>
                 <a:effectLst/>
-                <a:latin typeface="Calibri (Body)"/>
+                <a:latin typeface="Menlo" panose="020B0609030804020204" pitchFamily="49" charset="0"/>
+              </a:rPr>
+              <a:t>irAE</a:t>
+            </a:r>
+            <a:endParaRPr lang="en-US" b="0" dirty="0">
+              <a:solidFill>
+                <a:srgbClr val="CCCCCC"/>
+              </a:solidFill>
+              <a:effectLst/>
+              <a:latin typeface="Menlo" panose="020B0609030804020204" pitchFamily="49" charset="0"/>
+            </a:endParaRPr>
+          </a:p>
+          <a:p>
+            <a:r>
+              <a:rPr lang="en-US" b="0" dirty="0">
+                <a:solidFill>
+                  <a:srgbClr val="CCCCCC"/>
+                </a:solidFill>
+                <a:effectLst/>
+                <a:latin typeface="Menlo" panose="020B0609030804020204" pitchFamily="49" charset="0"/>
+              </a:rPr>
+              <a:t>- perhaps a common immunological mechanism between </a:t>
+            </a:r>
+            <a:r>
+              <a:rPr lang="en-US" b="0" dirty="0" err="1">
+                <a:solidFill>
+                  <a:srgbClr val="CCCCCC"/>
+                </a:solidFill>
+                <a:effectLst/>
+                <a:latin typeface="Menlo" panose="020B0609030804020204" pitchFamily="49" charset="0"/>
               </a:rPr>
               <a:t>irAEs</a:t>
             </a:r>
             <a:r>
               <a:rPr lang="en-US" b="0" dirty="0">
                 <a:solidFill>
-                  <a:srgbClr val="000000"/>
+                  <a:srgbClr val="CCCCCC"/>
                 </a:solidFill>
                 <a:effectLst/>
-                <a:latin typeface="Calibri (Body)"/>
+                <a:latin typeface="Menlo" panose="020B0609030804020204" pitchFamily="49" charset="0"/>
               </a:rPr>
-              <a:t> (I wonder why viral antigen recognition would lead to </a:t>
+              <a:t> and autoimmunity</a:t>
+            </a:r>
+          </a:p>
+        </p:txBody>
+      </p:sp>
+      <p:sp>
+        <p:nvSpPr>
+          <p:cNvPr id="4" name="Slide Number Placeholder 3"/>
+          <p:cNvSpPr>
+            <a:spLocks noGrp="1"/>
+          </p:cNvSpPr>
+          <p:nvPr>
+            <p:ph type="sldNum" sz="quarter" idx="5"/>
+          </p:nvPr>
+        </p:nvSpPr>
+        <p:spPr/>
+        <p:txBody>
+          <a:bodyPr/>
+          <a:lstStyle/>
+          <a:p>
+            <a:fld id="{061BAA8C-FDC6-D345-B4E0-3B02449209FB}" type="slidenum">
+              <a:rPr lang="en-US" smtClean="0"/>
+              <a:t>3</a:t>
+            </a:fld>
+            <a:endParaRPr lang="en-US"/>
+          </a:p>
+        </p:txBody>
+      </p:sp>
+    </p:spTree>
+    <p:extLst>
+      <p:ext uri="{BB962C8B-B14F-4D97-AF65-F5344CB8AC3E}">
+        <p14:creationId xmlns:p14="http://schemas.microsoft.com/office/powerpoint/2010/main" val="3644102746"/>
+      </p:ext>
+    </p:extLst>
+  </p:cSld>
+  <p:clrMapOvr>
+    <a:masterClrMapping/>
+  </p:clrMapOvr>
+</p:notes>
+</file>
+
+<file path=ppt/notesSlides/notesSlide3.xml><?xml version="1.0" encoding="utf-8"?>
+<p:notes xmlns:a="http://schemas.openxmlformats.org/drawingml/2006/main" xmlns:r="http://schemas.openxmlformats.org/officeDocument/2006/relationships" xmlns:p="http://schemas.openxmlformats.org/presentationml/2006/main">
+  <p:cSld>
+    <p:spTree>
+      <p:nvGrpSpPr>
+        <p:cNvPr id="1" name=""/>
+        <p:cNvGrpSpPr/>
+        <p:nvPr/>
+      </p:nvGrpSpPr>
+      <p:grpSpPr>
+        <a:xfrm>
+          <a:off x="0" y="0"/>
+          <a:ext cx="0" cy="0"/>
+          <a:chOff x="0" y="0"/>
+          <a:chExt cx="0" cy="0"/>
+        </a:xfrm>
+      </p:grpSpPr>
+      <p:sp>
+        <p:nvSpPr>
+          <p:cNvPr id="2" name="Slide Image Placeholder 1"/>
+          <p:cNvSpPr>
+            <a:spLocks noGrp="1" noRot="1" noChangeAspect="1"/>
+          </p:cNvSpPr>
+          <p:nvPr>
+            <p:ph type="sldImg"/>
+          </p:nvPr>
+        </p:nvSpPr>
+        <p:spPr/>
+      </p:sp>
+      <p:sp>
+        <p:nvSpPr>
+          <p:cNvPr id="3" name="Notes Placeholder 2"/>
+          <p:cNvSpPr>
+            <a:spLocks noGrp="1"/>
+          </p:cNvSpPr>
+          <p:nvPr>
+            <p:ph type="body" idx="1"/>
+          </p:nvPr>
+        </p:nvSpPr>
+        <p:spPr/>
+        <p:txBody>
+          <a:bodyPr/>
+          <a:lstStyle/>
+          <a:p>
+            <a:r>
+              <a:rPr lang="en-US" b="0" dirty="0">
+                <a:solidFill>
+                  <a:srgbClr val="6796E6"/>
+                </a:solidFill>
+                <a:effectLst/>
+                <a:latin typeface="Menlo" panose="020B0609030804020204" pitchFamily="49" charset="0"/>
+              </a:rPr>
+              <a:t>-</a:t>
+            </a:r>
+            <a:r>
+              <a:rPr lang="en-US" b="0" dirty="0">
+                <a:solidFill>
+                  <a:srgbClr val="CCCCCC"/>
+                </a:solidFill>
+                <a:effectLst/>
+                <a:latin typeface="Menlo" panose="020B0609030804020204" pitchFamily="49" charset="0"/>
+              </a:rPr>
+              <a:t> prior evidence of clonally expanded self/virus-reactive T cells in affected tissue linking self/pathogen-recognizing T cell clones to </a:t>
             </a:r>
             <a:r>
               <a:rPr lang="en-US" b="0" dirty="0" err="1">
                 <a:solidFill>
-                  <a:srgbClr val="000000"/>
+                  <a:srgbClr val="CCCCCC"/>
                 </a:solidFill>
                 <a:effectLst/>
-                <a:latin typeface="Calibri (Body)"/>
+                <a:latin typeface="Menlo" panose="020B0609030804020204" pitchFamily="49" charset="0"/>
               </a:rPr>
               <a:t>irAEs</a:t>
             </a:r>
             <a:r>
               <a:rPr lang="en-US" b="0" dirty="0">
                 <a:solidFill>
-                  <a:srgbClr val="000000"/>
+                  <a:srgbClr val="CCCCCC"/>
                 </a:solidFill>
                 <a:effectLst/>
-                <a:latin typeface="Calibri (Body)"/>
+                <a:latin typeface="Menlo" panose="020B0609030804020204" pitchFamily="49" charset="0"/>
               </a:rPr>
-              <a:t>, good for the viral-infected cells to be attacked, right?)</a:t>
+              <a:t> (</a:t>
+            </a:r>
+            <a:r>
+              <a:rPr lang="en-US" b="1" dirty="0">
+                <a:solidFill>
+                  <a:srgbClr val="569CD6"/>
+                </a:solidFill>
+                <a:effectLst/>
+                <a:latin typeface="Menlo" panose="020B0609030804020204" pitchFamily="49" charset="0"/>
+              </a:rPr>
+              <a:t>**I wonder why viral antigen recognition would lead to </a:t>
+            </a:r>
+            <a:r>
+              <a:rPr lang="en-US" b="1" dirty="0" err="1">
+                <a:solidFill>
+                  <a:srgbClr val="569CD6"/>
+                </a:solidFill>
+                <a:effectLst/>
+                <a:latin typeface="Menlo" panose="020B0609030804020204" pitchFamily="49" charset="0"/>
+              </a:rPr>
+              <a:t>irAEs</a:t>
+            </a:r>
+            <a:r>
+              <a:rPr lang="en-US" b="1" dirty="0">
+                <a:solidFill>
+                  <a:srgbClr val="569CD6"/>
+                </a:solidFill>
+                <a:effectLst/>
+                <a:latin typeface="Menlo" panose="020B0609030804020204" pitchFamily="49" charset="0"/>
+              </a:rPr>
+              <a:t>, good for the viral-infected cells to be attacked, right? but perhaps its an inappropriately strong immune response**</a:t>
+            </a:r>
+            <a:r>
+              <a:rPr lang="en-US" b="0" dirty="0">
+                <a:solidFill>
+                  <a:srgbClr val="CCCCCC"/>
+                </a:solidFill>
+                <a:effectLst/>
+                <a:latin typeface="Menlo" panose="020B0609030804020204" pitchFamily="49" charset="0"/>
+              </a:rPr>
+              <a:t>)</a:t>
             </a:r>
           </a:p>
         </p:txBody>
@@ -692,6 +878,656 @@
     <p:extLst>
       <p:ext uri="{BB962C8B-B14F-4D97-AF65-F5344CB8AC3E}">
         <p14:creationId xmlns:p14="http://schemas.microsoft.com/office/powerpoint/2010/main" val="218214808"/>
+      </p:ext>
+    </p:extLst>
+  </p:cSld>
+  <p:clrMapOvr>
+    <a:masterClrMapping/>
+  </p:clrMapOvr>
+</p:notes>
+</file>
+
+<file path=ppt/notesSlides/notesSlide4.xml><?xml version="1.0" encoding="utf-8"?>
+<p:notes xmlns:a="http://schemas.openxmlformats.org/drawingml/2006/main" xmlns:r="http://schemas.openxmlformats.org/officeDocument/2006/relationships" xmlns:p="http://schemas.openxmlformats.org/presentationml/2006/main">
+  <p:cSld>
+    <p:spTree>
+      <p:nvGrpSpPr>
+        <p:cNvPr id="1" name=""/>
+        <p:cNvGrpSpPr/>
+        <p:nvPr/>
+      </p:nvGrpSpPr>
+      <p:grpSpPr>
+        <a:xfrm>
+          <a:off x="0" y="0"/>
+          <a:ext cx="0" cy="0"/>
+          <a:chOff x="0" y="0"/>
+          <a:chExt cx="0" cy="0"/>
+        </a:xfrm>
+      </p:grpSpPr>
+      <p:sp>
+        <p:nvSpPr>
+          <p:cNvPr id="2" name="Slide Image Placeholder 1"/>
+          <p:cNvSpPr>
+            <a:spLocks noGrp="1" noRot="1" noChangeAspect="1"/>
+          </p:cNvSpPr>
+          <p:nvPr>
+            <p:ph type="sldImg"/>
+          </p:nvPr>
+        </p:nvSpPr>
+        <p:spPr/>
+      </p:sp>
+      <p:sp>
+        <p:nvSpPr>
+          <p:cNvPr id="3" name="Notes Placeholder 2"/>
+          <p:cNvSpPr>
+            <a:spLocks noGrp="1"/>
+          </p:cNvSpPr>
+          <p:nvPr>
+            <p:ph type="body" idx="1"/>
+          </p:nvPr>
+        </p:nvSpPr>
+        <p:spPr/>
+        <p:txBody>
+          <a:bodyPr/>
+          <a:lstStyle/>
+          <a:p>
+            <a:r>
+              <a:rPr lang="en-US" b="0" dirty="0">
+                <a:solidFill>
+                  <a:srgbClr val="6796E6"/>
+                </a:solidFill>
+                <a:effectLst/>
+                <a:latin typeface="Menlo" panose="020B0609030804020204" pitchFamily="49" charset="0"/>
+              </a:rPr>
+              <a:t>-</a:t>
+            </a:r>
+            <a:r>
+              <a:rPr lang="en-US" b="0" dirty="0">
+                <a:solidFill>
+                  <a:srgbClr val="CCCCCC"/>
+                </a:solidFill>
+                <a:effectLst/>
+                <a:latin typeface="Menlo" panose="020B0609030804020204" pitchFamily="49" charset="0"/>
+              </a:rPr>
+              <a:t> unanswered question: do circulating activated CD4 TM cells (their abundance here found to correlate with </a:t>
+            </a:r>
+            <a:r>
+              <a:rPr lang="en-US" b="0" dirty="0" err="1">
+                <a:solidFill>
+                  <a:srgbClr val="CCCCCC"/>
+                </a:solidFill>
+                <a:effectLst/>
+                <a:latin typeface="Menlo" panose="020B0609030804020204" pitchFamily="49" charset="0"/>
+              </a:rPr>
+              <a:t>irAE</a:t>
+            </a:r>
+            <a:r>
+              <a:rPr lang="en-US" b="0" dirty="0">
+                <a:solidFill>
+                  <a:srgbClr val="CCCCCC"/>
+                </a:solidFill>
+                <a:effectLst/>
+                <a:latin typeface="Menlo" panose="020B0609030804020204" pitchFamily="49" charset="0"/>
+              </a:rPr>
+              <a:t> development) exhibit a higher propensity to recognize self-antigens in patients at risk for severe ICI induced </a:t>
+            </a:r>
+            <a:r>
+              <a:rPr lang="en-US" b="0" dirty="0" err="1">
+                <a:solidFill>
+                  <a:srgbClr val="CCCCCC"/>
+                </a:solidFill>
+                <a:effectLst/>
+                <a:latin typeface="Menlo" panose="020B0609030804020204" pitchFamily="49" charset="0"/>
+              </a:rPr>
+              <a:t>irAEs</a:t>
+            </a:r>
+            <a:r>
+              <a:rPr lang="en-US" b="0" dirty="0">
+                <a:solidFill>
+                  <a:srgbClr val="CCCCCC"/>
+                </a:solidFill>
+                <a:effectLst/>
+                <a:latin typeface="Menlo" panose="020B0609030804020204" pitchFamily="49" charset="0"/>
+              </a:rPr>
+              <a:t>?</a:t>
+            </a:r>
+          </a:p>
+          <a:p>
+            <a:r>
+              <a:rPr lang="en-US" b="0" dirty="0">
+                <a:solidFill>
+                  <a:srgbClr val="6796E6"/>
+                </a:solidFill>
+                <a:effectLst/>
+                <a:latin typeface="Menlo" panose="020B0609030804020204" pitchFamily="49" charset="0"/>
+              </a:rPr>
+              <a:t>-</a:t>
+            </a:r>
+            <a:r>
+              <a:rPr lang="en-US" b="0" dirty="0">
+                <a:solidFill>
+                  <a:srgbClr val="CCCCCC"/>
+                </a:solidFill>
+                <a:effectLst/>
+                <a:latin typeface="Menlo" panose="020B0609030804020204" pitchFamily="49" charset="0"/>
+              </a:rPr>
+              <a:t> most </a:t>
+            </a:r>
+            <a:r>
+              <a:rPr lang="en-US" b="0" dirty="0" err="1">
+                <a:solidFill>
+                  <a:srgbClr val="CCCCCC"/>
+                </a:solidFill>
+                <a:effectLst/>
+                <a:latin typeface="Menlo" panose="020B0609030804020204" pitchFamily="49" charset="0"/>
+              </a:rPr>
+              <a:t>irAEs</a:t>
+            </a:r>
+            <a:r>
+              <a:rPr lang="en-US" b="0" dirty="0">
+                <a:solidFill>
+                  <a:srgbClr val="CCCCCC"/>
+                </a:solidFill>
+                <a:effectLst/>
+                <a:latin typeface="Menlo" panose="020B0609030804020204" pitchFamily="49" charset="0"/>
+              </a:rPr>
+              <a:t> occur within first 3 months but some can occur later (which would have been missed here, median time to severe </a:t>
+            </a:r>
+            <a:r>
+              <a:rPr lang="en-US" b="0" dirty="0" err="1">
+                <a:solidFill>
+                  <a:srgbClr val="CCCCCC"/>
+                </a:solidFill>
+                <a:effectLst/>
+                <a:latin typeface="Menlo" panose="020B0609030804020204" pitchFamily="49" charset="0"/>
+              </a:rPr>
+              <a:t>irAE</a:t>
+            </a:r>
+            <a:r>
+              <a:rPr lang="en-US" b="0" dirty="0">
+                <a:solidFill>
+                  <a:srgbClr val="CCCCCC"/>
+                </a:solidFill>
+                <a:effectLst/>
+                <a:latin typeface="Menlo" panose="020B0609030804020204" pitchFamily="49" charset="0"/>
+              </a:rPr>
+              <a:t> here was ~6 weeks with no </a:t>
+            </a:r>
+            <a:r>
+              <a:rPr lang="en-US" b="0" dirty="0" err="1">
+                <a:solidFill>
+                  <a:srgbClr val="CCCCCC"/>
+                </a:solidFill>
+                <a:effectLst/>
+                <a:latin typeface="Menlo" panose="020B0609030804020204" pitchFamily="49" charset="0"/>
+              </a:rPr>
+              <a:t>irAEs</a:t>
+            </a:r>
+            <a:r>
+              <a:rPr lang="en-US" b="0" dirty="0">
+                <a:solidFill>
+                  <a:srgbClr val="CCCCCC"/>
+                </a:solidFill>
+                <a:effectLst/>
+                <a:latin typeface="Menlo" panose="020B0609030804020204" pitchFamily="49" charset="0"/>
+              </a:rPr>
+              <a:t> after 3 months)</a:t>
+            </a:r>
+          </a:p>
+        </p:txBody>
+      </p:sp>
+      <p:sp>
+        <p:nvSpPr>
+          <p:cNvPr id="4" name="Slide Number Placeholder 3"/>
+          <p:cNvSpPr>
+            <a:spLocks noGrp="1"/>
+          </p:cNvSpPr>
+          <p:nvPr>
+            <p:ph type="sldNum" sz="quarter" idx="5"/>
+          </p:nvPr>
+        </p:nvSpPr>
+        <p:spPr/>
+        <p:txBody>
+          <a:bodyPr/>
+          <a:lstStyle/>
+          <a:p>
+            <a:fld id="{061BAA8C-FDC6-D345-B4E0-3B02449209FB}" type="slidenum">
+              <a:rPr lang="en-US" smtClean="0"/>
+              <a:t>5</a:t>
+            </a:fld>
+            <a:endParaRPr lang="en-US"/>
+          </a:p>
+        </p:txBody>
+      </p:sp>
+    </p:spTree>
+    <p:extLst>
+      <p:ext uri="{BB962C8B-B14F-4D97-AF65-F5344CB8AC3E}">
+        <p14:creationId xmlns:p14="http://schemas.microsoft.com/office/powerpoint/2010/main" val="3260823083"/>
+      </p:ext>
+    </p:extLst>
+  </p:cSld>
+  <p:clrMapOvr>
+    <a:masterClrMapping/>
+  </p:clrMapOvr>
+</p:notes>
+</file>
+
+<file path=ppt/notesSlides/notesSlide5.xml><?xml version="1.0" encoding="utf-8"?>
+<p:notes xmlns:a="http://schemas.openxmlformats.org/drawingml/2006/main" xmlns:r="http://schemas.openxmlformats.org/officeDocument/2006/relationships" xmlns:p="http://schemas.openxmlformats.org/presentationml/2006/main">
+  <p:cSld>
+    <p:spTree>
+      <p:nvGrpSpPr>
+        <p:cNvPr id="1" name=""/>
+        <p:cNvGrpSpPr/>
+        <p:nvPr/>
+      </p:nvGrpSpPr>
+      <p:grpSpPr>
+        <a:xfrm>
+          <a:off x="0" y="0"/>
+          <a:ext cx="0" cy="0"/>
+          <a:chOff x="0" y="0"/>
+          <a:chExt cx="0" cy="0"/>
+        </a:xfrm>
+      </p:grpSpPr>
+      <p:sp>
+        <p:nvSpPr>
+          <p:cNvPr id="2" name="Slide Image Placeholder 1"/>
+          <p:cNvSpPr>
+            <a:spLocks noGrp="1" noRot="1" noChangeAspect="1"/>
+          </p:cNvSpPr>
+          <p:nvPr>
+            <p:ph type="sldImg"/>
+          </p:nvPr>
+        </p:nvSpPr>
+        <p:spPr/>
+      </p:sp>
+      <p:sp>
+        <p:nvSpPr>
+          <p:cNvPr id="3" name="Notes Placeholder 2"/>
+          <p:cNvSpPr>
+            <a:spLocks noGrp="1"/>
+          </p:cNvSpPr>
+          <p:nvPr>
+            <p:ph type="body" idx="1"/>
+          </p:nvPr>
+        </p:nvSpPr>
+        <p:spPr/>
+        <p:txBody>
+          <a:bodyPr/>
+          <a:lstStyle/>
+          <a:p>
+            <a:r>
+              <a:rPr lang="en-US" b="0" i="0" u="none" strike="noStrike" dirty="0">
+                <a:solidFill>
+                  <a:srgbClr val="222222"/>
+                </a:solidFill>
+                <a:effectLst/>
+                <a:latin typeface="Harding"/>
+              </a:rPr>
+              <a:t>TCR clonality index that is robust to variation in the number of clones captured (</a:t>
+            </a:r>
+            <a:r>
+              <a:rPr lang="en-US" b="0" i="0" u="none" strike="noStrike" dirty="0" err="1">
+                <a:solidFill>
+                  <a:srgbClr val="222222"/>
+                </a:solidFill>
+                <a:effectLst/>
+                <a:latin typeface="Harding"/>
+              </a:rPr>
+              <a:t>Pielou’s</a:t>
+            </a:r>
+            <a:r>
+              <a:rPr lang="en-US" b="0" i="0" u="none" strike="noStrike" dirty="0">
+                <a:solidFill>
+                  <a:srgbClr val="222222"/>
+                </a:solidFill>
+                <a:effectLst/>
+                <a:latin typeface="Harding"/>
+              </a:rPr>
+              <a:t> evenness)</a:t>
+            </a:r>
+          </a:p>
+          <a:p>
+            <a:endParaRPr lang="en-US" dirty="0"/>
+          </a:p>
+          <a:p>
+            <a:r>
+              <a:rPr lang="en-US" dirty="0"/>
+              <a:t>the complement of clonal evenness (1-Pielou’s index) is often used to get a clonality score of 0 representing a maximally diverse population with even frequencies and values close to 1, a repertoire driven by clonal dominance. </a:t>
+            </a:r>
+          </a:p>
+          <a:p>
+            <a:endParaRPr lang="en-US" dirty="0"/>
+          </a:p>
+          <a:p>
+            <a:pPr algn="l">
+              <a:buFont typeface="Arial" panose="020B0604020202020204" pitchFamily="34" charset="0"/>
+              <a:buChar char="•"/>
+            </a:pPr>
+            <a:r>
+              <a:rPr lang="en-US" b="0" i="0" u="none" strike="noStrike" dirty="0">
+                <a:solidFill>
+                  <a:srgbClr val="D1D5DB"/>
+                </a:solidFill>
+                <a:effectLst/>
+                <a:latin typeface="Söhne"/>
+              </a:rPr>
+              <a:t>Shannon entropy provides a comprehensive measure of diversity that considers both the variety of T-cell clones and their relative abundances.</a:t>
+            </a:r>
+          </a:p>
+          <a:p>
+            <a:pPr algn="l">
+              <a:buFont typeface="Arial" panose="020B0604020202020204" pitchFamily="34" charset="0"/>
+              <a:buChar char="•"/>
+            </a:pPr>
+            <a:r>
+              <a:rPr lang="en-US" b="0" i="0" u="none" strike="noStrike" dirty="0">
+                <a:solidFill>
+                  <a:srgbClr val="D1D5DB"/>
+                </a:solidFill>
+                <a:effectLst/>
+                <a:latin typeface="Söhne"/>
+              </a:rPr>
+              <a:t>Richness measures the total number of unique T-cell clones, regardless of their abundances.</a:t>
+            </a:r>
+          </a:p>
+          <a:p>
+            <a:pPr algn="l">
+              <a:buFont typeface="Arial" panose="020B0604020202020204" pitchFamily="34" charset="0"/>
+              <a:buChar char="•"/>
+            </a:pPr>
+            <a:r>
+              <a:rPr lang="en-US" b="0" i="0" u="none" strike="noStrike" dirty="0">
+                <a:solidFill>
+                  <a:srgbClr val="D1D5DB"/>
+                </a:solidFill>
+                <a:effectLst/>
+                <a:latin typeface="Söhne"/>
+              </a:rPr>
+              <a:t>Clonality assesses the dominance or evenness of T-cell clones in a population.</a:t>
+            </a:r>
+          </a:p>
+        </p:txBody>
+      </p:sp>
+      <p:sp>
+        <p:nvSpPr>
+          <p:cNvPr id="4" name="Slide Number Placeholder 3"/>
+          <p:cNvSpPr>
+            <a:spLocks noGrp="1"/>
+          </p:cNvSpPr>
+          <p:nvPr>
+            <p:ph type="sldNum" sz="quarter" idx="5"/>
+          </p:nvPr>
+        </p:nvSpPr>
+        <p:spPr/>
+        <p:txBody>
+          <a:bodyPr/>
+          <a:lstStyle/>
+          <a:p>
+            <a:fld id="{061BAA8C-FDC6-D345-B4E0-3B02449209FB}" type="slidenum">
+              <a:rPr lang="en-US" smtClean="0"/>
+              <a:t>6</a:t>
+            </a:fld>
+            <a:endParaRPr lang="en-US"/>
+          </a:p>
+        </p:txBody>
+      </p:sp>
+    </p:spTree>
+    <p:extLst>
+      <p:ext uri="{BB962C8B-B14F-4D97-AF65-F5344CB8AC3E}">
+        <p14:creationId xmlns:p14="http://schemas.microsoft.com/office/powerpoint/2010/main" val="3259515734"/>
+      </p:ext>
+    </p:extLst>
+  </p:cSld>
+  <p:clrMapOvr>
+    <a:masterClrMapping/>
+  </p:clrMapOvr>
+</p:notes>
+</file>
+
+<file path=ppt/notesSlides/notesSlide6.xml><?xml version="1.0" encoding="utf-8"?>
+<p:notes xmlns:a="http://schemas.openxmlformats.org/drawingml/2006/main" xmlns:r="http://schemas.openxmlformats.org/officeDocument/2006/relationships" xmlns:p="http://schemas.openxmlformats.org/presentationml/2006/main">
+  <p:cSld>
+    <p:spTree>
+      <p:nvGrpSpPr>
+        <p:cNvPr id="1" name=""/>
+        <p:cNvGrpSpPr/>
+        <p:nvPr/>
+      </p:nvGrpSpPr>
+      <p:grpSpPr>
+        <a:xfrm>
+          <a:off x="0" y="0"/>
+          <a:ext cx="0" cy="0"/>
+          <a:chOff x="0" y="0"/>
+          <a:chExt cx="0" cy="0"/>
+        </a:xfrm>
+      </p:grpSpPr>
+      <p:sp>
+        <p:nvSpPr>
+          <p:cNvPr id="2" name="Slide Image Placeholder 1"/>
+          <p:cNvSpPr>
+            <a:spLocks noGrp="1" noRot="1" noChangeAspect="1"/>
+          </p:cNvSpPr>
+          <p:nvPr>
+            <p:ph type="sldImg"/>
+          </p:nvPr>
+        </p:nvSpPr>
+        <p:spPr/>
+      </p:sp>
+      <p:sp>
+        <p:nvSpPr>
+          <p:cNvPr id="3" name="Notes Placeholder 2"/>
+          <p:cNvSpPr>
+            <a:spLocks noGrp="1"/>
+          </p:cNvSpPr>
+          <p:nvPr>
+            <p:ph type="body" idx="1"/>
+          </p:nvPr>
+        </p:nvSpPr>
+        <p:spPr/>
+        <p:txBody>
+          <a:bodyPr/>
+          <a:lstStyle/>
+          <a:p>
+            <a:pPr algn="l">
+              <a:buFont typeface="Arial" panose="020B0604020202020204" pitchFamily="34" charset="0"/>
+              <a:buChar char="•"/>
+            </a:pPr>
+            <a:r>
+              <a:rPr lang="en-US" b="0" i="0" u="none" strike="noStrike" dirty="0">
+                <a:solidFill>
+                  <a:srgbClr val="D1D5DB"/>
+                </a:solidFill>
+                <a:effectLst/>
+                <a:latin typeface="Söhne"/>
+              </a:rPr>
+              <a:t>Shannon entropy provides a comprehensive measure of diversity that considers both the variety of T-cell clones and their relative abundances.</a:t>
+            </a:r>
+          </a:p>
+          <a:p>
+            <a:pPr algn="l">
+              <a:buFont typeface="Arial" panose="020B0604020202020204" pitchFamily="34" charset="0"/>
+              <a:buChar char="•"/>
+            </a:pPr>
+            <a:r>
+              <a:rPr lang="en-US" b="0" i="0" u="none" strike="noStrike" dirty="0">
+                <a:solidFill>
+                  <a:srgbClr val="D1D5DB"/>
+                </a:solidFill>
+                <a:effectLst/>
+                <a:latin typeface="Söhne"/>
+              </a:rPr>
+              <a:t>Richness measures the total number of unique T-cell clones, regardless of their abundances.</a:t>
+            </a:r>
+          </a:p>
+          <a:p>
+            <a:pPr algn="l">
+              <a:buFont typeface="Arial" panose="020B0604020202020204" pitchFamily="34" charset="0"/>
+              <a:buChar char="•"/>
+            </a:pPr>
+            <a:r>
+              <a:rPr lang="en-US" b="0" i="0" u="none" strike="noStrike" dirty="0">
+                <a:solidFill>
+                  <a:srgbClr val="D1D5DB"/>
+                </a:solidFill>
+                <a:effectLst/>
+                <a:latin typeface="Söhne"/>
+              </a:rPr>
+              <a:t>Clonality assesses the dominance or evenness of T-cell clones in a population.</a:t>
+            </a:r>
+          </a:p>
+          <a:p>
+            <a:pPr algn="l">
+              <a:buFont typeface="Arial" panose="020B0604020202020204" pitchFamily="34" charset="0"/>
+              <a:buChar char="•"/>
+            </a:pPr>
+            <a:endParaRPr lang="en-US" b="0" i="0" u="none" strike="noStrike" dirty="0">
+              <a:solidFill>
+                <a:srgbClr val="D1D5DB"/>
+              </a:solidFill>
+              <a:effectLst/>
+              <a:latin typeface="Söhne"/>
+            </a:endParaRPr>
+          </a:p>
+          <a:p>
+            <a:pPr algn="l">
+              <a:buFont typeface="Arial" panose="020B0604020202020204" pitchFamily="34" charset="0"/>
+              <a:buChar char="•"/>
+            </a:pPr>
+            <a:r>
+              <a:rPr lang="en-US" b="0" i="0" u="none" strike="noStrike" dirty="0">
+                <a:solidFill>
+                  <a:srgbClr val="D1D5DB"/>
+                </a:solidFill>
+                <a:effectLst/>
+                <a:latin typeface="Söhne"/>
+              </a:rPr>
+              <a:t>Trying to wrap my head around what it means for subset to be high in both diversity and clonality (initially kind of seem mutually exclusive…)</a:t>
+            </a:r>
+          </a:p>
+        </p:txBody>
+      </p:sp>
+      <p:sp>
+        <p:nvSpPr>
+          <p:cNvPr id="4" name="Slide Number Placeholder 3"/>
+          <p:cNvSpPr>
+            <a:spLocks noGrp="1"/>
+          </p:cNvSpPr>
+          <p:nvPr>
+            <p:ph type="sldNum" sz="quarter" idx="5"/>
+          </p:nvPr>
+        </p:nvSpPr>
+        <p:spPr/>
+        <p:txBody>
+          <a:bodyPr/>
+          <a:lstStyle/>
+          <a:p>
+            <a:fld id="{061BAA8C-FDC6-D345-B4E0-3B02449209FB}" type="slidenum">
+              <a:rPr lang="en-US" smtClean="0"/>
+              <a:t>10</a:t>
+            </a:fld>
+            <a:endParaRPr lang="en-US"/>
+          </a:p>
+        </p:txBody>
+      </p:sp>
+    </p:spTree>
+    <p:extLst>
+      <p:ext uri="{BB962C8B-B14F-4D97-AF65-F5344CB8AC3E}">
+        <p14:creationId xmlns:p14="http://schemas.microsoft.com/office/powerpoint/2010/main" val="924373543"/>
+      </p:ext>
+    </p:extLst>
+  </p:cSld>
+  <p:clrMapOvr>
+    <a:masterClrMapping/>
+  </p:clrMapOvr>
+</p:notes>
+</file>
+
+<file path=ppt/notesSlides/notesSlide7.xml><?xml version="1.0" encoding="utf-8"?>
+<p:notes xmlns:a="http://schemas.openxmlformats.org/drawingml/2006/main" xmlns:r="http://schemas.openxmlformats.org/officeDocument/2006/relationships" xmlns:p="http://schemas.openxmlformats.org/presentationml/2006/main">
+  <p:cSld>
+    <p:spTree>
+      <p:nvGrpSpPr>
+        <p:cNvPr id="1" name=""/>
+        <p:cNvGrpSpPr/>
+        <p:nvPr/>
+      </p:nvGrpSpPr>
+      <p:grpSpPr>
+        <a:xfrm>
+          <a:off x="0" y="0"/>
+          <a:ext cx="0" cy="0"/>
+          <a:chOff x="0" y="0"/>
+          <a:chExt cx="0" cy="0"/>
+        </a:xfrm>
+      </p:grpSpPr>
+      <p:sp>
+        <p:nvSpPr>
+          <p:cNvPr id="2" name="Slide Image Placeholder 1"/>
+          <p:cNvSpPr>
+            <a:spLocks noGrp="1" noRot="1" noChangeAspect="1"/>
+          </p:cNvSpPr>
+          <p:nvPr>
+            <p:ph type="sldImg"/>
+          </p:nvPr>
+        </p:nvSpPr>
+        <p:spPr/>
+      </p:sp>
+      <p:sp>
+        <p:nvSpPr>
+          <p:cNvPr id="3" name="Notes Placeholder 2"/>
+          <p:cNvSpPr>
+            <a:spLocks noGrp="1"/>
+          </p:cNvSpPr>
+          <p:nvPr>
+            <p:ph type="body" idx="1"/>
+          </p:nvPr>
+        </p:nvSpPr>
+        <p:spPr/>
+        <p:txBody>
+          <a:bodyPr/>
+          <a:lstStyle/>
+          <a:p>
+            <a:pPr algn="l">
+              <a:buFont typeface="Arial" panose="020B0604020202020204" pitchFamily="34" charset="0"/>
+              <a:buChar char="•"/>
+            </a:pPr>
+            <a:endParaRPr lang="en-US" b="0" i="0" u="none" strike="noStrike" dirty="0">
+              <a:solidFill>
+                <a:srgbClr val="D1D5DB"/>
+              </a:solidFill>
+              <a:effectLst/>
+              <a:latin typeface="Söhne"/>
+            </a:endParaRPr>
+          </a:p>
+        </p:txBody>
+      </p:sp>
+      <p:sp>
+        <p:nvSpPr>
+          <p:cNvPr id="4" name="Slide Number Placeholder 3"/>
+          <p:cNvSpPr>
+            <a:spLocks noGrp="1"/>
+          </p:cNvSpPr>
+          <p:nvPr>
+            <p:ph type="sldNum" sz="quarter" idx="5"/>
+          </p:nvPr>
+        </p:nvSpPr>
+        <p:spPr/>
+        <p:txBody>
+          <a:bodyPr/>
+          <a:lstStyle/>
+          <a:p>
+            <a:fld id="{061BAA8C-FDC6-D345-B4E0-3B02449209FB}" type="slidenum">
+              <a:rPr lang="en-US" smtClean="0"/>
+              <a:t>11</a:t>
+            </a:fld>
+            <a:endParaRPr lang="en-US"/>
+          </a:p>
+        </p:txBody>
+      </p:sp>
+    </p:spTree>
+    <p:extLst>
+      <p:ext uri="{BB962C8B-B14F-4D97-AF65-F5344CB8AC3E}">
+        <p14:creationId xmlns:p14="http://schemas.microsoft.com/office/powerpoint/2010/main" val="2102249845"/>
       </p:ext>
     </p:extLst>
   </p:cSld>
@@ -848,7 +1684,7 @@
           <a:p>
             <a:fld id="{80FC6068-BAFB-FC44-B9D8-F4B3BB105DE6}" type="datetimeFigureOut">
               <a:rPr lang="en-US" smtClean="0"/>
-              <a:t>10/3/23</a:t>
+              <a:t>10/4/23</a:t>
             </a:fld>
             <a:endParaRPr lang="en-US"/>
           </a:p>
@@ -1046,7 +1882,7 @@
           <a:p>
             <a:fld id="{80FC6068-BAFB-FC44-B9D8-F4B3BB105DE6}" type="datetimeFigureOut">
               <a:rPr lang="en-US" smtClean="0"/>
-              <a:t>10/3/23</a:t>
+              <a:t>10/4/23</a:t>
             </a:fld>
             <a:endParaRPr lang="en-US"/>
           </a:p>
@@ -1254,7 +2090,7 @@
           <a:p>
             <a:fld id="{80FC6068-BAFB-FC44-B9D8-F4B3BB105DE6}" type="datetimeFigureOut">
               <a:rPr lang="en-US" smtClean="0"/>
-              <a:t>10/3/23</a:t>
+              <a:t>10/4/23</a:t>
             </a:fld>
             <a:endParaRPr lang="en-US"/>
           </a:p>
@@ -1458,7 +2294,7 @@
           <a:p>
             <a:fld id="{80FC6068-BAFB-FC44-B9D8-F4B3BB105DE6}" type="datetimeFigureOut">
               <a:rPr lang="en-US" smtClean="0"/>
-              <a:t>10/3/23</a:t>
+              <a:t>10/4/23</a:t>
             </a:fld>
             <a:endParaRPr lang="en-US"/>
           </a:p>
@@ -1749,7 +2585,7 @@
           <a:p>
             <a:fld id="{80FC6068-BAFB-FC44-B9D8-F4B3BB105DE6}" type="datetimeFigureOut">
               <a:rPr lang="en-US" smtClean="0"/>
-              <a:t>10/3/23</a:t>
+              <a:t>10/4/23</a:t>
             </a:fld>
             <a:endParaRPr lang="en-US"/>
           </a:p>
@@ -2014,7 +2850,7 @@
           <a:p>
             <a:fld id="{80FC6068-BAFB-FC44-B9D8-F4B3BB105DE6}" type="datetimeFigureOut">
               <a:rPr lang="en-US" smtClean="0"/>
-              <a:t>10/3/23</a:t>
+              <a:t>10/4/23</a:t>
             </a:fld>
             <a:endParaRPr lang="en-US"/>
           </a:p>
@@ -2426,7 +3262,7 @@
           <a:p>
             <a:fld id="{80FC6068-BAFB-FC44-B9D8-F4B3BB105DE6}" type="datetimeFigureOut">
               <a:rPr lang="en-US" smtClean="0"/>
-              <a:t>10/3/23</a:t>
+              <a:t>10/4/23</a:t>
             </a:fld>
             <a:endParaRPr lang="en-US"/>
           </a:p>
@@ -2567,7 +3403,7 @@
           <a:p>
             <a:fld id="{80FC6068-BAFB-FC44-B9D8-F4B3BB105DE6}" type="datetimeFigureOut">
               <a:rPr lang="en-US" smtClean="0"/>
-              <a:t>10/3/23</a:t>
+              <a:t>10/4/23</a:t>
             </a:fld>
             <a:endParaRPr lang="en-US"/>
           </a:p>
@@ -2680,7 +3516,7 @@
           <a:p>
             <a:fld id="{80FC6068-BAFB-FC44-B9D8-F4B3BB105DE6}" type="datetimeFigureOut">
               <a:rPr lang="en-US" smtClean="0"/>
-              <a:t>10/3/23</a:t>
+              <a:t>10/4/23</a:t>
             </a:fld>
             <a:endParaRPr lang="en-US"/>
           </a:p>
@@ -2991,7 +3827,7 @@
           <a:p>
             <a:fld id="{80FC6068-BAFB-FC44-B9D8-F4B3BB105DE6}" type="datetimeFigureOut">
               <a:rPr lang="en-US" smtClean="0"/>
-              <a:t>10/3/23</a:t>
+              <a:t>10/4/23</a:t>
             </a:fld>
             <a:endParaRPr lang="en-US"/>
           </a:p>
@@ -3279,7 +4115,7 @@
           <a:p>
             <a:fld id="{80FC6068-BAFB-FC44-B9D8-F4B3BB105DE6}" type="datetimeFigureOut">
               <a:rPr lang="en-US" smtClean="0"/>
-              <a:t>10/3/23</a:t>
+              <a:t>10/4/23</a:t>
             </a:fld>
             <a:endParaRPr lang="en-US"/>
           </a:p>
@@ -3520,7 +4356,7 @@
           <a:p>
             <a:fld id="{80FC6068-BAFB-FC44-B9D8-F4B3BB105DE6}" type="datetimeFigureOut">
               <a:rPr lang="en-US" smtClean="0"/>
-              <a:t>10/3/23</a:t>
+              <a:t>10/4/23</a:t>
             </a:fld>
             <a:endParaRPr lang="en-US"/>
           </a:p>
@@ -4014,6 +4850,276 @@
 </p:sld>
 </file>
 
+<file path=ppt/slides/slide10.xml><?xml version="1.0" encoding="utf-8"?>
+<p:sld xmlns:a="http://schemas.openxmlformats.org/drawingml/2006/main" xmlns:r="http://schemas.openxmlformats.org/officeDocument/2006/relationships" xmlns:p="http://schemas.openxmlformats.org/presentationml/2006/main">
+  <p:cSld>
+    <p:spTree>
+      <p:nvGrpSpPr>
+        <p:cNvPr id="1" name=""/>
+        <p:cNvGrpSpPr/>
+        <p:nvPr/>
+      </p:nvGrpSpPr>
+      <p:grpSpPr>
+        <a:xfrm>
+          <a:off x="0" y="0"/>
+          <a:ext cx="0" cy="0"/>
+          <a:chOff x="0" y="0"/>
+          <a:chExt cx="0" cy="0"/>
+        </a:xfrm>
+      </p:grpSpPr>
+      <p:sp>
+        <p:nvSpPr>
+          <p:cNvPr id="2" name="Title 1">
+            <a:extLst>
+              <a:ext uri="{FF2B5EF4-FFF2-40B4-BE49-F238E27FC236}">
+                <a16:creationId xmlns:a16="http://schemas.microsoft.com/office/drawing/2014/main" id="{70A4C97D-8F21-3D3B-6A90-EA7145324964}"/>
+              </a:ext>
+            </a:extLst>
+          </p:cNvPr>
+          <p:cNvSpPr>
+            <a:spLocks noGrp="1"/>
+          </p:cNvSpPr>
+          <p:nvPr>
+            <p:ph type="title"/>
+          </p:nvPr>
+        </p:nvSpPr>
+        <p:spPr/>
+        <p:txBody>
+          <a:bodyPr/>
+          <a:lstStyle/>
+          <a:p>
+            <a:r>
+              <a:rPr lang="en-US" dirty="0"/>
+              <a:t>Same subclusters somewhat stand out in diversity vs. clonality plot</a:t>
+            </a:r>
+          </a:p>
+        </p:txBody>
+      </p:sp>
+      <p:sp>
+        <p:nvSpPr>
+          <p:cNvPr id="3" name="Content Placeholder 2">
+            <a:extLst>
+              <a:ext uri="{FF2B5EF4-FFF2-40B4-BE49-F238E27FC236}">
+                <a16:creationId xmlns:a16="http://schemas.microsoft.com/office/drawing/2014/main" id="{B9501834-7B32-1ACA-4358-B630FB8EEC36}"/>
+              </a:ext>
+            </a:extLst>
+          </p:cNvPr>
+          <p:cNvSpPr>
+            <a:spLocks noGrp="1"/>
+          </p:cNvSpPr>
+          <p:nvPr>
+            <p:ph idx="1"/>
+          </p:nvPr>
+        </p:nvSpPr>
+        <p:spPr/>
+        <p:txBody>
+          <a:bodyPr>
+            <a:normAutofit/>
+          </a:bodyPr>
+          <a:lstStyle/>
+          <a:p>
+            <a:endParaRPr lang="en-US" b="0" dirty="0">
+              <a:solidFill>
+                <a:srgbClr val="000000"/>
+              </a:solidFill>
+              <a:effectLst/>
+              <a:latin typeface="Calibri (Body)"/>
+            </a:endParaRPr>
+          </a:p>
+        </p:txBody>
+      </p:sp>
+      <p:pic>
+        <p:nvPicPr>
+          <p:cNvPr id="4" name="Picture 3">
+            <a:extLst>
+              <a:ext uri="{FF2B5EF4-FFF2-40B4-BE49-F238E27FC236}">
+                <a16:creationId xmlns:a16="http://schemas.microsoft.com/office/drawing/2014/main" id="{73F3F6DE-0C87-3979-F603-391BF2CBA447}"/>
+              </a:ext>
+            </a:extLst>
+          </p:cNvPr>
+          <p:cNvPicPr>
+            <a:picLocks noChangeAspect="1"/>
+          </p:cNvPicPr>
+          <p:nvPr/>
+        </p:nvPicPr>
+        <p:blipFill>
+          <a:blip r:embed="rId3"/>
+          <a:stretch>
+            <a:fillRect/>
+          </a:stretch>
+        </p:blipFill>
+        <p:spPr>
+          <a:xfrm>
+            <a:off x="276285" y="1775297"/>
+            <a:ext cx="5195367" cy="5124336"/>
+          </a:xfrm>
+          <a:prstGeom prst="rect">
+            <a:avLst/>
+          </a:prstGeom>
+        </p:spPr>
+      </p:pic>
+      <p:pic>
+        <p:nvPicPr>
+          <p:cNvPr id="6" name="Picture 5">
+            <a:extLst>
+              <a:ext uri="{FF2B5EF4-FFF2-40B4-BE49-F238E27FC236}">
+                <a16:creationId xmlns:a16="http://schemas.microsoft.com/office/drawing/2014/main" id="{84D1EA84-2432-A7D6-BB56-29DD77505723}"/>
+              </a:ext>
+            </a:extLst>
+          </p:cNvPr>
+          <p:cNvPicPr>
+            <a:picLocks noChangeAspect="1"/>
+          </p:cNvPicPr>
+          <p:nvPr/>
+        </p:nvPicPr>
+        <p:blipFill>
+          <a:blip r:embed="rId4"/>
+          <a:stretch>
+            <a:fillRect/>
+          </a:stretch>
+        </p:blipFill>
+        <p:spPr>
+          <a:xfrm>
+            <a:off x="5694001" y="2487589"/>
+            <a:ext cx="6001469" cy="3791321"/>
+          </a:xfrm>
+          <a:prstGeom prst="rect">
+            <a:avLst/>
+          </a:prstGeom>
+        </p:spPr>
+      </p:pic>
+    </p:spTree>
+    <p:extLst>
+      <p:ext uri="{BB962C8B-B14F-4D97-AF65-F5344CB8AC3E}">
+        <p14:creationId xmlns:p14="http://schemas.microsoft.com/office/powerpoint/2010/main" val="4127579897"/>
+      </p:ext>
+    </p:extLst>
+  </p:cSld>
+  <p:clrMapOvr>
+    <a:masterClrMapping/>
+  </p:clrMapOvr>
+</p:sld>
+</file>
+
+<file path=ppt/slides/slide11.xml><?xml version="1.0" encoding="utf-8"?>
+<p:sld xmlns:a="http://schemas.openxmlformats.org/drawingml/2006/main" xmlns:r="http://schemas.openxmlformats.org/officeDocument/2006/relationships" xmlns:p="http://schemas.openxmlformats.org/presentationml/2006/main">
+  <p:cSld>
+    <p:spTree>
+      <p:nvGrpSpPr>
+        <p:cNvPr id="1" name=""/>
+        <p:cNvGrpSpPr/>
+        <p:nvPr/>
+      </p:nvGrpSpPr>
+      <p:grpSpPr>
+        <a:xfrm>
+          <a:off x="0" y="0"/>
+          <a:ext cx="0" cy="0"/>
+          <a:chOff x="0" y="0"/>
+          <a:chExt cx="0" cy="0"/>
+        </a:xfrm>
+      </p:grpSpPr>
+      <p:sp>
+        <p:nvSpPr>
+          <p:cNvPr id="2" name="Title 1">
+            <a:extLst>
+              <a:ext uri="{FF2B5EF4-FFF2-40B4-BE49-F238E27FC236}">
+                <a16:creationId xmlns:a16="http://schemas.microsoft.com/office/drawing/2014/main" id="{70A4C97D-8F21-3D3B-6A90-EA7145324964}"/>
+              </a:ext>
+            </a:extLst>
+          </p:cNvPr>
+          <p:cNvSpPr>
+            <a:spLocks noGrp="1"/>
+          </p:cNvSpPr>
+          <p:nvPr>
+            <p:ph type="title"/>
+          </p:nvPr>
+        </p:nvSpPr>
+        <p:spPr/>
+        <p:txBody>
+          <a:bodyPr/>
+          <a:lstStyle/>
+          <a:p>
+            <a:r>
+              <a:rPr lang="en-US" dirty="0"/>
+              <a:t>Plan to explore unanalyzed data</a:t>
+            </a:r>
+          </a:p>
+        </p:txBody>
+      </p:sp>
+      <p:sp>
+        <p:nvSpPr>
+          <p:cNvPr id="3" name="Content Placeholder 2">
+            <a:extLst>
+              <a:ext uri="{FF2B5EF4-FFF2-40B4-BE49-F238E27FC236}">
+                <a16:creationId xmlns:a16="http://schemas.microsoft.com/office/drawing/2014/main" id="{B9501834-7B32-1ACA-4358-B630FB8EEC36}"/>
+              </a:ext>
+            </a:extLst>
+          </p:cNvPr>
+          <p:cNvSpPr>
+            <a:spLocks noGrp="1"/>
+          </p:cNvSpPr>
+          <p:nvPr>
+            <p:ph idx="1"/>
+          </p:nvPr>
+        </p:nvSpPr>
+        <p:spPr/>
+        <p:txBody>
+          <a:bodyPr>
+            <a:normAutofit/>
+          </a:bodyPr>
+          <a:lstStyle/>
+          <a:p>
+            <a:r>
+              <a:rPr lang="en-US" b="0" dirty="0">
+                <a:solidFill>
+                  <a:srgbClr val="000000"/>
+                </a:solidFill>
+                <a:effectLst/>
+                <a:latin typeface="Calibri (Body)"/>
+              </a:rPr>
+              <a:t>Analyze characteristics of expanded cells’ TCRs</a:t>
+            </a:r>
+          </a:p>
+          <a:p>
+            <a:pPr lvl="1"/>
+            <a:r>
+              <a:rPr lang="en-US" dirty="0">
+                <a:solidFill>
+                  <a:srgbClr val="000000"/>
+                </a:solidFill>
+                <a:latin typeface="Calibri (Body)"/>
+              </a:rPr>
+              <a:t>Length</a:t>
+            </a:r>
+          </a:p>
+          <a:p>
+            <a:pPr lvl="1"/>
+            <a:r>
+              <a:rPr lang="en-US" b="0" dirty="0">
+                <a:solidFill>
+                  <a:srgbClr val="000000"/>
+                </a:solidFill>
+                <a:effectLst/>
+                <a:latin typeface="Calibri (Body)"/>
+              </a:rPr>
+              <a:t>Germline-ness</a:t>
+            </a:r>
+          </a:p>
+        </p:txBody>
+      </p:sp>
+    </p:spTree>
+    <p:extLst>
+      <p:ext uri="{BB962C8B-B14F-4D97-AF65-F5344CB8AC3E}">
+        <p14:creationId xmlns:p14="http://schemas.microsoft.com/office/powerpoint/2010/main" val="1498997332"/>
+      </p:ext>
+    </p:extLst>
+  </p:cSld>
+  <p:clrMapOvr>
+    <a:masterClrMapping/>
+  </p:clrMapOvr>
+</p:sld>
+</file>
+
 <file path=ppt/slides/slide2.xml><?xml version="1.0" encoding="utf-8"?>
 <p:sld xmlns:a="http://schemas.openxmlformats.org/drawingml/2006/main" xmlns:r="http://schemas.openxmlformats.org/officeDocument/2006/relationships" xmlns:p="http://schemas.openxmlformats.org/presentationml/2006/main">
   <p:cSld>
@@ -4152,27 +5258,7 @@
                 <a:effectLst/>
                 <a:latin typeface="Calibri (Body)"/>
               </a:rPr>
-              <a:t>Progress in exploring unanalyzed data from Newman lab paper</a:t>
-            </a:r>
-          </a:p>
-          <a:p>
-            <a:endParaRPr lang="en-US" dirty="0">
-              <a:solidFill>
-                <a:srgbClr val="000000"/>
-              </a:solidFill>
-              <a:latin typeface="Calibri (Body)"/>
-            </a:endParaRPr>
-          </a:p>
-          <a:p>
-            <a:r>
-              <a:rPr lang="en-US" b="0" dirty="0">
-                <a:solidFill>
-                  <a:srgbClr val="000000"/>
-                </a:solidFill>
-                <a:effectLst/>
-                <a:latin typeface="Calibri (Body)"/>
-              </a:rPr>
-              <a:t>Progress in working on other papers’ data</a:t>
+              <a:t>Plans to explore unanalyzed data from Newman lab paper</a:t>
             </a:r>
           </a:p>
         </p:txBody>
@@ -4258,6 +5344,57 @@
           </a:bodyPr>
           <a:lstStyle/>
           <a:p>
+            <a:r>
+              <a:rPr lang="en-US" b="0" dirty="0">
+                <a:solidFill>
+                  <a:srgbClr val="000000"/>
+                </a:solidFill>
+                <a:effectLst/>
+                <a:latin typeface="Calibri (Body)"/>
+              </a:rPr>
+              <a:t>Activated CD4 effector memory T cell abundance and TCR diversity associated with </a:t>
+            </a:r>
+            <a:r>
+              <a:rPr lang="en-US" b="0" dirty="0" err="1">
+                <a:solidFill>
+                  <a:srgbClr val="000000"/>
+                </a:solidFill>
+                <a:effectLst/>
+                <a:latin typeface="Calibri (Body)"/>
+              </a:rPr>
+              <a:t>irAEs</a:t>
+            </a:r>
+            <a:r>
+              <a:rPr lang="en-US" b="0" dirty="0">
+                <a:solidFill>
+                  <a:srgbClr val="000000"/>
+                </a:solidFill>
+                <a:effectLst/>
+                <a:latin typeface="Calibri (Body)"/>
+              </a:rPr>
+              <a:t> in melanoma patients</a:t>
+            </a:r>
+          </a:p>
+          <a:p>
+            <a:r>
+              <a:rPr lang="en-US" dirty="0">
+                <a:solidFill>
+                  <a:srgbClr val="000000"/>
+                </a:solidFill>
+                <a:latin typeface="Calibri (Body)"/>
+              </a:rPr>
+              <a:t>Also find elevated activated CD4 TM cells in autoimmune disease patients</a:t>
+            </a:r>
+            <a:endParaRPr lang="en-US" b="0" dirty="0">
+              <a:solidFill>
+                <a:srgbClr val="000000"/>
+              </a:solidFill>
+              <a:effectLst/>
+              <a:latin typeface="Calibri (Body)"/>
+            </a:endParaRPr>
+          </a:p>
+          <a:p>
+            <a:pPr lvl="1"/>
             <a:endParaRPr lang="en-US" b="0" dirty="0">
               <a:solidFill>
                 <a:srgbClr val="000000"/>
@@ -4535,13 +5672,8 @@
           <a:p>
             <a:r>
               <a:rPr lang="en-US" dirty="0"/>
-              <a:t>Insights from </a:t>
-            </a:r>
-            <a:r>
-              <a:rPr lang="en-US"/>
-              <a:t>discussion section</a:t>
-            </a:r>
-            <a:endParaRPr lang="en-US" dirty="0"/>
+              <a:t>Weaknesses</a:t>
+            </a:r>
           </a:p>
         </p:txBody>
       </p:sp>
@@ -4568,6 +5700,93 @@
           </a:bodyPr>
           <a:lstStyle/>
           <a:p>
+            <a:r>
+              <a:rPr lang="en-US" b="0" dirty="0">
+                <a:solidFill>
+                  <a:srgbClr val="000000"/>
+                </a:solidFill>
+                <a:effectLst/>
+                <a:latin typeface="Calibri (Body)"/>
+              </a:rPr>
+              <a:t>Unanswered questions: do these activated CD4 TM cells recognize self antigens?</a:t>
+            </a:r>
+          </a:p>
+          <a:p>
+            <a:r>
+              <a:rPr lang="en-US" dirty="0">
+                <a:solidFill>
+                  <a:srgbClr val="000000"/>
+                </a:solidFill>
+                <a:latin typeface="Calibri (Body)"/>
+              </a:rPr>
+              <a:t>Limitations</a:t>
+            </a:r>
+          </a:p>
+          <a:p>
+            <a:pPr lvl="1"/>
+            <a:r>
+              <a:rPr lang="en-US" b="0" dirty="0">
+                <a:solidFill>
+                  <a:srgbClr val="000000"/>
+                </a:solidFill>
+                <a:effectLst/>
+                <a:latin typeface="Calibri (Body)"/>
+              </a:rPr>
+              <a:t>Retrospective</a:t>
+            </a:r>
+          </a:p>
+          <a:p>
+            <a:pPr lvl="1"/>
+            <a:r>
+              <a:rPr lang="en-US" dirty="0">
+                <a:solidFill>
+                  <a:srgbClr val="000000"/>
+                </a:solidFill>
+                <a:latin typeface="Calibri (Body)"/>
+              </a:rPr>
+              <a:t>Different ICIs studied have different </a:t>
+            </a:r>
+            <a:r>
+              <a:rPr lang="en-US" dirty="0" err="1">
+                <a:solidFill>
+                  <a:srgbClr val="000000"/>
+                </a:solidFill>
+                <a:latin typeface="Calibri (Body)"/>
+              </a:rPr>
+              <a:t>irAE</a:t>
+            </a:r>
+            <a:r>
+              <a:rPr lang="en-US" dirty="0">
+                <a:solidFill>
+                  <a:srgbClr val="000000"/>
+                </a:solidFill>
+                <a:latin typeface="Calibri (Body)"/>
+              </a:rPr>
+              <a:t> risks</a:t>
+            </a:r>
+          </a:p>
+          <a:p>
+            <a:pPr lvl="1"/>
+            <a:r>
+              <a:rPr lang="en-US" b="0" dirty="0">
+                <a:solidFill>
+                  <a:srgbClr val="000000"/>
+                </a:solidFill>
+                <a:effectLst/>
+                <a:latin typeface="Calibri (Body)"/>
+              </a:rPr>
+              <a:t>May have missed long to arise after ICI </a:t>
+            </a:r>
+            <a:r>
+              <a:rPr lang="en-US" b="0" dirty="0" err="1">
+                <a:solidFill>
+                  <a:srgbClr val="000000"/>
+                </a:solidFill>
+                <a:effectLst/>
+                <a:latin typeface="Calibri (Body)"/>
+              </a:rPr>
+              <a:t>irAEs</a:t>
+            </a:r>
             <a:endParaRPr lang="en-US" b="0" dirty="0">
               <a:solidFill>
                 <a:srgbClr val="000000"/>
@@ -4629,7 +5848,10 @@
           <a:bodyPr/>
           <a:lstStyle/>
           <a:p>
-            <a:endParaRPr lang="en-US" dirty="0"/>
+            <a:r>
+              <a:rPr lang="en-US" dirty="0"/>
+              <a:t>Change in TCR clonality analysis somewhat matches theirs</a:t>
+            </a:r>
           </a:p>
         </p:txBody>
       </p:sp>
@@ -4666,6 +5888,66 @@
           </a:p>
         </p:txBody>
       </p:sp>
+      <p:pic>
+        <p:nvPicPr>
+          <p:cNvPr id="4" name="Picture 3">
+            <a:extLst>
+              <a:ext uri="{FF2B5EF4-FFF2-40B4-BE49-F238E27FC236}">
+                <a16:creationId xmlns:a16="http://schemas.microsoft.com/office/drawing/2014/main" id="{1F0B6C94-B977-BAC9-D5BC-60FB675A4539}"/>
+              </a:ext>
+            </a:extLst>
+          </p:cNvPr>
+          <p:cNvPicPr>
+            <a:picLocks noChangeAspect="1"/>
+          </p:cNvPicPr>
+          <p:nvPr/>
+        </p:nvPicPr>
+        <p:blipFill>
+          <a:blip r:embed="rId3"/>
+          <a:stretch>
+            <a:fillRect/>
+          </a:stretch>
+        </p:blipFill>
+        <p:spPr>
+          <a:xfrm>
+            <a:off x="4419600" y="1471364"/>
+            <a:ext cx="7772400" cy="4794087"/>
+          </a:xfrm>
+          <a:prstGeom prst="rect">
+            <a:avLst/>
+          </a:prstGeom>
+        </p:spPr>
+      </p:pic>
+      <p:pic>
+        <p:nvPicPr>
+          <p:cNvPr id="5" name="Picture 4">
+            <a:extLst>
+              <a:ext uri="{FF2B5EF4-FFF2-40B4-BE49-F238E27FC236}">
+                <a16:creationId xmlns:a16="http://schemas.microsoft.com/office/drawing/2014/main" id="{DDB2CC1A-3004-DD8F-00A7-693C0921ACF6}"/>
+              </a:ext>
+            </a:extLst>
+          </p:cNvPr>
+          <p:cNvPicPr>
+            <a:picLocks noChangeAspect="1"/>
+          </p:cNvPicPr>
+          <p:nvPr/>
+        </p:nvPicPr>
+        <p:blipFill>
+          <a:blip r:embed="rId4"/>
+          <a:stretch>
+            <a:fillRect/>
+          </a:stretch>
+        </p:blipFill>
+        <p:spPr>
+          <a:xfrm>
+            <a:off x="0" y="1779176"/>
+            <a:ext cx="4399005" cy="4351338"/>
+          </a:xfrm>
+          <a:prstGeom prst="rect">
+            <a:avLst/>
+          </a:prstGeom>
+        </p:spPr>
+      </p:pic>
     </p:spTree>
     <p:extLst>
       <p:ext uri="{BB962C8B-B14F-4D97-AF65-F5344CB8AC3E}">
@@ -4717,7 +5999,10 @@
           <a:bodyPr/>
           <a:lstStyle/>
           <a:p>
-            <a:endParaRPr lang="en-US" dirty="0"/>
+            <a:r>
+              <a:rPr lang="en-US" dirty="0"/>
+              <a:t>Struggled to extract subclusters of interest via this plot</a:t>
+            </a:r>
           </a:p>
         </p:txBody>
       </p:sp>
@@ -4754,10 +6039,40 @@
           </a:p>
         </p:txBody>
       </p:sp>
+      <p:pic>
+        <p:nvPicPr>
+          <p:cNvPr id="6" name="Picture 5">
+            <a:extLst>
+              <a:ext uri="{FF2B5EF4-FFF2-40B4-BE49-F238E27FC236}">
+                <a16:creationId xmlns:a16="http://schemas.microsoft.com/office/drawing/2014/main" id="{3DD0C366-FBE9-FF7B-355F-DEC192756095}"/>
+              </a:ext>
+            </a:extLst>
+          </p:cNvPr>
+          <p:cNvPicPr>
+            <a:picLocks noChangeAspect="1"/>
+          </p:cNvPicPr>
+          <p:nvPr/>
+        </p:nvPicPr>
+        <p:blipFill>
+          <a:blip r:embed="rId2"/>
+          <a:stretch>
+            <a:fillRect/>
+          </a:stretch>
+        </p:blipFill>
+        <p:spPr>
+          <a:xfrm>
+            <a:off x="3301078" y="1728108"/>
+            <a:ext cx="5589844" cy="4969861"/>
+          </a:xfrm>
+          <a:prstGeom prst="rect">
+            <a:avLst/>
+          </a:prstGeom>
+        </p:spPr>
+      </p:pic>
     </p:spTree>
     <p:extLst>
       <p:ext uri="{BB962C8B-B14F-4D97-AF65-F5344CB8AC3E}">
-        <p14:creationId xmlns:p14="http://schemas.microsoft.com/office/powerpoint/2010/main" val="4127579897"/>
+        <p14:creationId xmlns:p14="http://schemas.microsoft.com/office/powerpoint/2010/main" val="136988788"/>
       </p:ext>
     </p:extLst>
   </p:cSld>
@@ -4805,7 +6120,10 @@
           <a:bodyPr/>
           <a:lstStyle/>
           <a:p>
-            <a:endParaRPr lang="en-US" dirty="0"/>
+            <a:r>
+              <a:rPr lang="en-US" dirty="0"/>
+              <a:t>Instead compared UMAPs to find CD4 subclusters of interest</a:t>
+            </a:r>
           </a:p>
         </p:txBody>
       </p:sp>
@@ -4842,6 +6160,66 @@
           </a:p>
         </p:txBody>
       </p:sp>
+      <p:pic>
+        <p:nvPicPr>
+          <p:cNvPr id="4" name="Picture 3">
+            <a:extLst>
+              <a:ext uri="{FF2B5EF4-FFF2-40B4-BE49-F238E27FC236}">
+                <a16:creationId xmlns:a16="http://schemas.microsoft.com/office/drawing/2014/main" id="{EC5D3FD2-B53F-25A7-E093-B0DFA9E373B7}"/>
+              </a:ext>
+            </a:extLst>
+          </p:cNvPr>
+          <p:cNvPicPr>
+            <a:picLocks noChangeAspect="1"/>
+          </p:cNvPicPr>
+          <p:nvPr/>
+        </p:nvPicPr>
+        <p:blipFill>
+          <a:blip r:embed="rId2"/>
+          <a:stretch>
+            <a:fillRect/>
+          </a:stretch>
+        </p:blipFill>
+        <p:spPr>
+          <a:xfrm>
+            <a:off x="5602453" y="1932039"/>
+            <a:ext cx="6238044" cy="3774953"/>
+          </a:xfrm>
+          <a:prstGeom prst="rect">
+            <a:avLst/>
+          </a:prstGeom>
+        </p:spPr>
+      </p:pic>
+      <p:pic>
+        <p:nvPicPr>
+          <p:cNvPr id="5" name="Picture 4">
+            <a:extLst>
+              <a:ext uri="{FF2B5EF4-FFF2-40B4-BE49-F238E27FC236}">
+                <a16:creationId xmlns:a16="http://schemas.microsoft.com/office/drawing/2014/main" id="{E4F9E830-6DE3-21B2-CF35-919A34F8696D}"/>
+              </a:ext>
+            </a:extLst>
+          </p:cNvPr>
+          <p:cNvPicPr>
+            <a:picLocks noChangeAspect="1"/>
+          </p:cNvPicPr>
+          <p:nvPr/>
+        </p:nvPicPr>
+        <p:blipFill>
+          <a:blip r:embed="rId3"/>
+          <a:stretch>
+            <a:fillRect/>
+          </a:stretch>
+        </p:blipFill>
+        <p:spPr>
+          <a:xfrm>
+            <a:off x="1899527" y="2371715"/>
+            <a:ext cx="2641600" cy="2895600"/>
+          </a:xfrm>
+          <a:prstGeom prst="rect">
+            <a:avLst/>
+          </a:prstGeom>
+        </p:spPr>
+      </p:pic>
     </p:spTree>
     <p:extLst>
       <p:ext uri="{BB962C8B-B14F-4D97-AF65-F5344CB8AC3E}">
@@ -4893,7 +6271,10 @@
           <a:bodyPr/>
           <a:lstStyle/>
           <a:p>
-            <a:endParaRPr lang="en-US" dirty="0"/>
+            <a:r>
+              <a:rPr lang="en-US" dirty="0"/>
+              <a:t>DEGs in CD4 T cell subclusters do not look very similar</a:t>
+            </a:r>
           </a:p>
         </p:txBody>
       </p:sp>
@@ -4930,6 +6311,66 @@
           </a:p>
         </p:txBody>
       </p:sp>
+      <p:pic>
+        <p:nvPicPr>
+          <p:cNvPr id="4" name="Picture 3">
+            <a:extLst>
+              <a:ext uri="{FF2B5EF4-FFF2-40B4-BE49-F238E27FC236}">
+                <a16:creationId xmlns:a16="http://schemas.microsoft.com/office/drawing/2014/main" id="{AD911828-15CE-B63A-5B40-CC43A383CEE0}"/>
+              </a:ext>
+            </a:extLst>
+          </p:cNvPr>
+          <p:cNvPicPr>
+            <a:picLocks noChangeAspect="1"/>
+          </p:cNvPicPr>
+          <p:nvPr/>
+        </p:nvPicPr>
+        <p:blipFill>
+          <a:blip r:embed="rId2"/>
+          <a:stretch>
+            <a:fillRect/>
+          </a:stretch>
+        </p:blipFill>
+        <p:spPr>
+          <a:xfrm>
+            <a:off x="5558595" y="1825625"/>
+            <a:ext cx="6163913" cy="4011143"/>
+          </a:xfrm>
+          <a:prstGeom prst="rect">
+            <a:avLst/>
+          </a:prstGeom>
+        </p:spPr>
+      </p:pic>
+      <p:pic>
+        <p:nvPicPr>
+          <p:cNvPr id="5" name="Picture 4">
+            <a:extLst>
+              <a:ext uri="{FF2B5EF4-FFF2-40B4-BE49-F238E27FC236}">
+                <a16:creationId xmlns:a16="http://schemas.microsoft.com/office/drawing/2014/main" id="{F2B4810A-BDAC-A709-B63B-FBD851682E4E}"/>
+              </a:ext>
+            </a:extLst>
+          </p:cNvPr>
+          <p:cNvPicPr>
+            <a:picLocks noChangeAspect="1"/>
+          </p:cNvPicPr>
+          <p:nvPr/>
+        </p:nvPicPr>
+        <p:blipFill>
+          <a:blip r:embed="rId3"/>
+          <a:stretch>
+            <a:fillRect/>
+          </a:stretch>
+        </p:blipFill>
+        <p:spPr>
+          <a:xfrm>
+            <a:off x="1062548" y="1804988"/>
+            <a:ext cx="4271700" cy="4371975"/>
+          </a:xfrm>
+          <a:prstGeom prst="rect">
+            <a:avLst/>
+          </a:prstGeom>
+        </p:spPr>
+      </p:pic>
     </p:spTree>
     <p:extLst>
       <p:ext uri="{BB962C8B-B14F-4D97-AF65-F5344CB8AC3E}">
